--- a/presentation_files/Презентация.pptx
+++ b/presentation_files/Презентация.pptx
@@ -7,12 +7,14 @@
   <p:sldIdLst>
     <p:sldId id="256" r:id="rId2"/>
     <p:sldId id="257" r:id="rId3"/>
-    <p:sldId id="258" r:id="rId4"/>
-    <p:sldId id="259" r:id="rId5"/>
-    <p:sldId id="261" r:id="rId6"/>
-    <p:sldId id="260" r:id="rId7"/>
-    <p:sldId id="263" r:id="rId8"/>
-    <p:sldId id="264" r:id="rId9"/>
+    <p:sldId id="265" r:id="rId4"/>
+    <p:sldId id="258" r:id="rId5"/>
+    <p:sldId id="259" r:id="rId6"/>
+    <p:sldId id="261" r:id="rId7"/>
+    <p:sldId id="260" r:id="rId8"/>
+    <p:sldId id="263" r:id="rId9"/>
+    <p:sldId id="264" r:id="rId10"/>
+    <p:sldId id="266" r:id="rId11"/>
   </p:sldIdLst>
   <p:sldSz cx="9144000" cy="6858000" type="screen4x3"/>
   <p:notesSz cx="6858000" cy="9144000"/>
@@ -3264,6 +3266,65 @@
 </p:sld>
 </file>
 
+<file path=ppt/slides/slide10.xml><?xml version="1.0" encoding="utf-8"?>
+<p:sld xmlns:a="http://schemas.openxmlformats.org/drawingml/2006/main" xmlns:r="http://schemas.openxmlformats.org/officeDocument/2006/relationships" xmlns:p="http://schemas.openxmlformats.org/presentationml/2006/main">
+  <p:cSld>
+    <p:bg>
+      <p:bgPr>
+        <a:solidFill>
+          <a:schemeClr val="tx1"/>
+        </a:solidFill>
+        <a:effectLst/>
+      </p:bgPr>
+    </p:bg>
+    <p:spTree>
+      <p:nvGrpSpPr>
+        <p:cNvPr id="1" name=""/>
+        <p:cNvGrpSpPr/>
+        <p:nvPr/>
+      </p:nvGrpSpPr>
+      <p:grpSpPr>
+        <a:xfrm>
+          <a:off x="0" y="0"/>
+          <a:ext cx="0" cy="0"/>
+          <a:chOff x="0" y="0"/>
+          <a:chExt cx="0" cy="0"/>
+        </a:xfrm>
+      </p:grpSpPr>
+      <p:pic>
+        <p:nvPicPr>
+          <p:cNvPr id="21506" name="Picture 2" descr="C:\Users\agish_000\Documents\Учебная\Защита иформации\Проект\Эдип.jpg"/>
+          <p:cNvPicPr>
+            <a:picLocks noChangeAspect="1" noChangeArrowheads="1"/>
+          </p:cNvPicPr>
+          <p:nvPr/>
+        </p:nvPicPr>
+        <p:blipFill>
+          <a:blip r:embed="rId2"/>
+          <a:srcRect/>
+          <a:stretch>
+            <a:fillRect/>
+          </a:stretch>
+        </p:blipFill>
+        <p:spPr bwMode="auto">
+          <a:xfrm>
+            <a:off x="1996440" y="0"/>
+            <a:ext cx="5151120" cy="6858000"/>
+          </a:xfrm>
+          <a:prstGeom prst="rect">
+            <a:avLst/>
+          </a:prstGeom>
+          <a:noFill/>
+        </p:spPr>
+      </p:pic>
+    </p:spTree>
+  </p:cSld>
+  <p:clrMapOvr>
+    <a:masterClrMapping/>
+  </p:clrMapOvr>
+</p:sld>
+</file>
+
 <file path=ppt/slides/slide2.xml><?xml version="1.0" encoding="utf-8"?>
 <p:sld xmlns:a="http://schemas.openxmlformats.org/drawingml/2006/main" xmlns:r="http://schemas.openxmlformats.org/officeDocument/2006/relationships" xmlns:p="http://schemas.openxmlformats.org/presentationml/2006/main">
   <p:cSld>
@@ -3350,7 +3411,7 @@
         </p:spPr>
         <p:txBody>
           <a:bodyPr>
-            <a:normAutofit lnSpcReduction="10000"/>
+            <a:normAutofit/>
           </a:bodyPr>
           <a:lstStyle/>
           <a:p>
@@ -3364,7 +3425,7 @@
                   <a:schemeClr val="tx2"/>
                 </a:solidFill>
               </a:rPr>
-              <a:t>Применение нейронных сетей</a:t>
+              <a:t>Нейронные сети</a:t>
             </a:r>
           </a:p>
           <a:p>
@@ -3469,6 +3530,191 @@
 </file>
 
 <file path=ppt/slides/slide3.xml><?xml version="1.0" encoding="utf-8"?>
+<p:sld xmlns:a="http://schemas.openxmlformats.org/drawingml/2006/main" xmlns:r="http://schemas.openxmlformats.org/officeDocument/2006/relationships" xmlns:p="http://schemas.openxmlformats.org/presentationml/2006/main">
+  <p:cSld>
+    <p:bg>
+      <p:bgPr>
+        <a:blipFill dpi="0" rotWithShape="1">
+          <a:blip r:embed="rId2">
+            <a:lum/>
+          </a:blip>
+          <a:srcRect/>
+          <a:stretch>
+            <a:fillRect/>
+          </a:stretch>
+        </a:blipFill>
+        <a:effectLst/>
+      </p:bgPr>
+    </p:bg>
+    <p:spTree>
+      <p:nvGrpSpPr>
+        <p:cNvPr id="1" name=""/>
+        <p:cNvGrpSpPr/>
+        <p:nvPr/>
+      </p:nvGrpSpPr>
+      <p:grpSpPr>
+        <a:xfrm>
+          <a:off x="0" y="0"/>
+          <a:ext cx="0" cy="0"/>
+          <a:chOff x="0" y="0"/>
+          <a:chExt cx="0" cy="0"/>
+        </a:xfrm>
+      </p:grpSpPr>
+      <p:sp>
+        <p:nvSpPr>
+          <p:cNvPr id="2" name="Заголовок 1"/>
+          <p:cNvSpPr>
+            <a:spLocks noGrp="1"/>
+          </p:cNvSpPr>
+          <p:nvPr>
+            <p:ph type="title"/>
+          </p:nvPr>
+        </p:nvSpPr>
+        <p:spPr>
+          <a:xfrm>
+            <a:off x="0" y="274638"/>
+            <a:ext cx="9144000" cy="1143000"/>
+          </a:xfrm>
+          <a:solidFill>
+            <a:schemeClr val="bg1">
+              <a:alpha val="83000"/>
+            </a:schemeClr>
+          </a:solidFill>
+        </p:spPr>
+        <p:txBody>
+          <a:bodyPr/>
+          <a:lstStyle/>
+          <a:p>
+            <a:r>
+              <a:rPr lang="ru-RU" b="1" dirty="0" smtClean="0">
+                <a:solidFill>
+                  <a:schemeClr val="tx2"/>
+                </a:solidFill>
+              </a:rPr>
+              <a:t>Нейронные сети</a:t>
+            </a:r>
+            <a:endParaRPr lang="ru-RU" b="1" dirty="0">
+              <a:solidFill>
+                <a:schemeClr val="tx2"/>
+              </a:solidFill>
+            </a:endParaRPr>
+          </a:p>
+        </p:txBody>
+      </p:sp>
+      <p:pic>
+        <p:nvPicPr>
+          <p:cNvPr id="4" name="Picture 3"/>
+          <p:cNvPicPr>
+            <a:picLocks noChangeAspect="1"/>
+          </p:cNvPicPr>
+          <p:nvPr/>
+        </p:nvPicPr>
+        <p:blipFill>
+          <a:blip r:embed="rId3">
+            <a:extLst>
+              <a:ext uri="{28A0092B-C50C-407E-A947-70E740481C1C}">
+                <a14:useLocalDpi xmlns:a14="http://schemas.microsoft.com/office/drawing/2010/main" xmlns="" val="0"/>
+              </a:ext>
+            </a:extLst>
+          </a:blip>
+          <a:stretch>
+            <a:fillRect/>
+          </a:stretch>
+        </p:blipFill>
+        <p:spPr>
+          <a:xfrm>
+            <a:off x="642910" y="1857364"/>
+            <a:ext cx="7954091" cy="4214842"/>
+          </a:xfrm>
+          <a:prstGeom prst="rect">
+            <a:avLst/>
+          </a:prstGeom>
+        </p:spPr>
+      </p:pic>
+    </p:spTree>
+  </p:cSld>
+  <p:clrMapOvr>
+    <a:masterClrMapping/>
+  </p:clrMapOvr>
+  <p:timing>
+    <p:tnLst>
+      <p:par>
+        <p:cTn id="1" dur="indefinite" restart="never" nodeType="tmRoot">
+          <p:childTnLst>
+            <p:seq concurrent="1" nextAc="seek">
+              <p:cTn id="2" dur="indefinite" nodeType="mainSeq">
+                <p:childTnLst>
+                  <p:par>
+                    <p:cTn id="3" fill="hold">
+                      <p:stCondLst>
+                        <p:cond delay="indefinite"/>
+                      </p:stCondLst>
+                      <p:childTnLst>
+                        <p:par>
+                          <p:cTn id="4" fill="hold">
+                            <p:stCondLst>
+                              <p:cond delay="0"/>
+                            </p:stCondLst>
+                            <p:childTnLst>
+                              <p:par>
+                                <p:cTn id="5" presetID="1" presetClass="entr" presetSubtype="0" fill="hold" nodeType="clickEffect">
+                                  <p:stCondLst>
+                                    <p:cond delay="0"/>
+                                  </p:stCondLst>
+                                  <p:childTnLst>
+                                    <p:set>
+                                      <p:cBhvr>
+                                        <p:cTn id="6" dur="1" fill="hold">
+                                          <p:stCondLst>
+                                            <p:cond delay="0"/>
+                                          </p:stCondLst>
+                                        </p:cTn>
+                                        <p:tgtEl>
+                                          <p:spTgt spid="4"/>
+                                        </p:tgtEl>
+                                        <p:attrNameLst>
+                                          <p:attrName>style.visibility</p:attrName>
+                                        </p:attrNameLst>
+                                      </p:cBhvr>
+                                      <p:to>
+                                        <p:strVal val="visible"/>
+                                      </p:to>
+                                    </p:set>
+                                  </p:childTnLst>
+                                </p:cTn>
+                              </p:par>
+                            </p:childTnLst>
+                          </p:cTn>
+                        </p:par>
+                      </p:childTnLst>
+                    </p:cTn>
+                  </p:par>
+                </p:childTnLst>
+              </p:cTn>
+              <p:prevCondLst>
+                <p:cond evt="onPrev" delay="0">
+                  <p:tgtEl>
+                    <p:sldTgt/>
+                  </p:tgtEl>
+                </p:cond>
+              </p:prevCondLst>
+              <p:nextCondLst>
+                <p:cond evt="onNext" delay="0">
+                  <p:tgtEl>
+                    <p:sldTgt/>
+                  </p:tgtEl>
+                </p:cond>
+              </p:nextCondLst>
+            </p:seq>
+          </p:childTnLst>
+        </p:cTn>
+      </p:par>
+    </p:tnLst>
+  </p:timing>
+</p:sld>
+</file>
+
+<file path=ppt/slides/slide4.xml><?xml version="1.0" encoding="utf-8"?>
 <p:sld xmlns:a="http://schemas.openxmlformats.org/drawingml/2006/main" xmlns:r="http://schemas.openxmlformats.org/officeDocument/2006/relationships" xmlns:p="http://schemas.openxmlformats.org/presentationml/2006/main">
   <p:cSld>
     <p:bg>
@@ -3516,14 +3762,26 @@
           <a:lstStyle/>
           <a:p>
             <a:r>
-              <a:rPr lang="ru-RU" dirty="0" smtClean="0"/>
+              <a:rPr lang="ru-RU" b="1" dirty="0" smtClean="0">
+                <a:solidFill>
+                  <a:schemeClr val="tx2"/>
+                </a:solidFill>
+              </a:rPr>
               <a:t>Последовательность  решаемых </a:t>
             </a:r>
             <a:r>
-              <a:rPr lang="ru-RU" dirty="0" smtClean="0"/>
+              <a:rPr lang="ru-RU" b="1" dirty="0" smtClean="0">
+                <a:solidFill>
+                  <a:schemeClr val="tx2"/>
+                </a:solidFill>
+              </a:rPr>
               <a:t>задач</a:t>
             </a:r>
-            <a:endParaRPr lang="ru-RU" dirty="0"/>
+            <a:endParaRPr lang="ru-RU" b="1" dirty="0">
+              <a:solidFill>
+                <a:schemeClr val="tx2"/>
+              </a:solidFill>
+            </a:endParaRPr>
           </a:p>
         </p:txBody>
       </p:sp>
@@ -3550,14 +3808,26 @@
           <a:lstStyle/>
           <a:p>
             <a:r>
-              <a:rPr lang="en-US" sz="2800" dirty="0" smtClean="0"/>
+              <a:rPr lang="en-US" sz="2800" dirty="0" smtClean="0">
+                <a:solidFill>
+                  <a:schemeClr val="tx2"/>
+                </a:solidFill>
+              </a:rPr>
               <a:t>I. </a:t>
             </a:r>
             <a:r>
-              <a:rPr lang="ru-RU" sz="2800" dirty="0" smtClean="0"/>
+              <a:rPr lang="ru-RU" sz="2800" dirty="0" smtClean="0">
+                <a:solidFill>
+                  <a:schemeClr val="tx2"/>
+                </a:solidFill>
+              </a:rPr>
               <a:t>Поиск лица</a:t>
             </a:r>
-            <a:endParaRPr lang="ru-RU" sz="2800" dirty="0"/>
+            <a:endParaRPr lang="ru-RU" sz="2800" dirty="0">
+              <a:solidFill>
+                <a:schemeClr val="tx2"/>
+              </a:solidFill>
+            </a:endParaRPr>
           </a:p>
         </p:txBody>
       </p:sp>
@@ -3602,7 +3872,7 @@
 </p:sld>
 </file>
 
-<file path=ppt/slides/slide4.xml><?xml version="1.0" encoding="utf-8"?>
+<file path=ppt/slides/slide5.xml><?xml version="1.0" encoding="utf-8"?>
 <p:sld xmlns:a="http://schemas.openxmlformats.org/drawingml/2006/main" xmlns:r="http://schemas.openxmlformats.org/officeDocument/2006/relationships" xmlns:p="http://schemas.openxmlformats.org/presentationml/2006/main">
   <p:cSld>
     <p:spTree>
@@ -3642,14 +3912,26 @@
           <a:lstStyle/>
           <a:p>
             <a:r>
-              <a:rPr lang="en-US" sz="2800" dirty="0" smtClean="0"/>
+              <a:rPr lang="en-US" sz="2800" dirty="0" smtClean="0">
+                <a:solidFill>
+                  <a:schemeClr val="tx2"/>
+                </a:solidFill>
+              </a:rPr>
               <a:t>II. </a:t>
             </a:r>
             <a:r>
-              <a:rPr lang="ru-RU" sz="2800" dirty="0" smtClean="0"/>
+              <a:rPr lang="ru-RU" sz="2800" dirty="0" smtClean="0">
+                <a:solidFill>
+                  <a:schemeClr val="tx2"/>
+                </a:solidFill>
+              </a:rPr>
               <a:t>Распознавание повернутого лица</a:t>
             </a:r>
-            <a:endParaRPr lang="ru-RU" sz="2800" dirty="0"/>
+            <a:endParaRPr lang="ru-RU" sz="2800" dirty="0">
+              <a:solidFill>
+                <a:schemeClr val="tx2"/>
+              </a:solidFill>
+            </a:endParaRPr>
           </a:p>
         </p:txBody>
       </p:sp>
@@ -3735,14 +4017,26 @@
           <a:lstStyle/>
           <a:p>
             <a:r>
-              <a:rPr lang="ru-RU" dirty="0" smtClean="0"/>
+              <a:rPr lang="ru-RU" b="1" dirty="0" smtClean="0">
+                <a:solidFill>
+                  <a:schemeClr val="tx2"/>
+                </a:solidFill>
+              </a:rPr>
               <a:t>Последовательность  решаемых </a:t>
             </a:r>
             <a:r>
-              <a:rPr lang="ru-RU" dirty="0" smtClean="0"/>
+              <a:rPr lang="ru-RU" b="1" dirty="0" smtClean="0">
+                <a:solidFill>
+                  <a:schemeClr val="tx2"/>
+                </a:solidFill>
+              </a:rPr>
               <a:t>задач</a:t>
             </a:r>
-            <a:endParaRPr lang="ru-RU" dirty="0"/>
+            <a:endParaRPr lang="ru-RU" b="1" dirty="0">
+              <a:solidFill>
+                <a:schemeClr val="tx2"/>
+              </a:solidFill>
+            </a:endParaRPr>
           </a:p>
         </p:txBody>
       </p:sp>
@@ -3754,7 +4048,7 @@
 </p:sld>
 </file>
 
-<file path=ppt/slides/slide5.xml><?xml version="1.0" encoding="utf-8"?>
+<file path=ppt/slides/slide6.xml><?xml version="1.0" encoding="utf-8"?>
 <p:sld xmlns:a="http://schemas.openxmlformats.org/drawingml/2006/main" xmlns:r="http://schemas.openxmlformats.org/officeDocument/2006/relationships" xmlns:p="http://schemas.openxmlformats.org/presentationml/2006/main">
   <p:cSld>
     <p:spTree>
@@ -3968,7 +4262,7 @@
 </p:sld>
 </file>
 
-<file path=ppt/slides/slide6.xml><?xml version="1.0" encoding="utf-8"?>
+<file path=ppt/slides/slide7.xml><?xml version="1.0" encoding="utf-8"?>
 <p:sld xmlns:a="http://schemas.openxmlformats.org/drawingml/2006/main" xmlns:r="http://schemas.openxmlformats.org/officeDocument/2006/relationships" xmlns:p="http://schemas.openxmlformats.org/presentationml/2006/main">
   <p:cSld>
     <p:spTree>
@@ -4008,14 +4302,26 @@
           <a:lstStyle/>
           <a:p>
             <a:r>
-              <a:rPr lang="en-US" sz="2800" dirty="0" smtClean="0"/>
+              <a:rPr lang="en-US" sz="2800" dirty="0" smtClean="0">
+                <a:solidFill>
+                  <a:schemeClr val="tx2"/>
+                </a:solidFill>
+              </a:rPr>
               <a:t>III. </a:t>
             </a:r>
             <a:r>
-              <a:rPr lang="ru-RU" sz="2800" dirty="0" smtClean="0"/>
+              <a:rPr lang="ru-RU" sz="2800" dirty="0" smtClean="0">
+                <a:solidFill>
+                  <a:schemeClr val="tx2"/>
+                </a:solidFill>
+              </a:rPr>
               <a:t>Определение лица</a:t>
             </a:r>
-            <a:endParaRPr lang="ru-RU" sz="2800" dirty="0"/>
+            <a:endParaRPr lang="ru-RU" sz="2800" dirty="0">
+              <a:solidFill>
+                <a:schemeClr val="tx2"/>
+              </a:solidFill>
+            </a:endParaRPr>
           </a:p>
         </p:txBody>
       </p:sp>
@@ -4094,188 +4400,26 @@
           <a:lstStyle/>
           <a:p>
             <a:r>
-              <a:rPr lang="ru-RU" dirty="0" smtClean="0"/>
+              <a:rPr lang="ru-RU" b="1" dirty="0" smtClean="0">
+                <a:solidFill>
+                  <a:schemeClr val="tx2"/>
+                </a:solidFill>
+              </a:rPr>
               <a:t>Последовательность  решаемых </a:t>
             </a:r>
             <a:r>
-              <a:rPr lang="ru-RU" dirty="0" smtClean="0"/>
+              <a:rPr lang="ru-RU" b="1" dirty="0" smtClean="0">
+                <a:solidFill>
+                  <a:schemeClr val="tx2"/>
+                </a:solidFill>
+              </a:rPr>
               <a:t>задач</a:t>
             </a:r>
-            <a:endParaRPr lang="ru-RU" dirty="0"/>
-          </a:p>
-        </p:txBody>
-      </p:sp>
-    </p:spTree>
-  </p:cSld>
-  <p:clrMapOvr>
-    <a:masterClrMapping/>
-  </p:clrMapOvr>
-</p:sld>
-</file>
-
-<file path=ppt/slides/slide7.xml><?xml version="1.0" encoding="utf-8"?>
-<p:sld xmlns:a="http://schemas.openxmlformats.org/drawingml/2006/main" xmlns:r="http://schemas.openxmlformats.org/officeDocument/2006/relationships" xmlns:p="http://schemas.openxmlformats.org/presentationml/2006/main">
-  <p:cSld>
-    <p:spTree>
-      <p:nvGrpSpPr>
-        <p:cNvPr id="1" name=""/>
-        <p:cNvGrpSpPr/>
-        <p:nvPr/>
-      </p:nvGrpSpPr>
-      <p:grpSpPr>
-        <a:xfrm>
-          <a:off x="0" y="0"/>
-          <a:ext cx="0" cy="0"/>
-          <a:chOff x="0" y="0"/>
-          <a:chExt cx="0" cy="0"/>
-        </a:xfrm>
-      </p:grpSpPr>
-      <p:sp>
-        <p:nvSpPr>
-          <p:cNvPr id="2" name="Заголовок 1"/>
-          <p:cNvSpPr>
-            <a:spLocks noGrp="1"/>
-          </p:cNvSpPr>
-          <p:nvPr>
-            <p:ph type="title"/>
-          </p:nvPr>
-        </p:nvSpPr>
-        <p:spPr>
-          <a:xfrm>
-            <a:off x="457200" y="274638"/>
-            <a:ext cx="8229600" cy="1725602"/>
-          </a:xfrm>
-        </p:spPr>
-        <p:txBody>
-          <a:bodyPr>
-            <a:normAutofit fontScale="90000"/>
-          </a:bodyPr>
-          <a:lstStyle/>
-          <a:p>
-            <a:r>
-              <a:rPr lang="ru-RU" dirty="0" smtClean="0"/>
-              <a:t>Последовательность  решаемых задач</a:t>
-            </a:r>
-            <a:br>
-              <a:rPr lang="ru-RU" dirty="0" smtClean="0"/>
-            </a:br>
-            <a:endParaRPr lang="ru-RU" dirty="0"/>
-          </a:p>
-        </p:txBody>
-      </p:sp>
-      <p:sp>
-        <p:nvSpPr>
-          <p:cNvPr id="6" name="TextBox 5"/>
-          <p:cNvSpPr txBox="1"/>
-          <p:nvPr/>
-        </p:nvSpPr>
-        <p:spPr>
-          <a:xfrm>
-            <a:off x="500034" y="1643050"/>
-            <a:ext cx="8215370" cy="523220"/>
-          </a:xfrm>
-          <a:prstGeom prst="rect">
-            <a:avLst/>
-          </a:prstGeom>
-          <a:noFill/>
-        </p:spPr>
-        <p:txBody>
-          <a:bodyPr wrap="square" rtlCol="0">
-            <a:spAutoFit/>
-          </a:bodyPr>
-          <a:lstStyle/>
-          <a:p>
-            <a:r>
-              <a:rPr lang="en-US" sz="2800" dirty="0" smtClean="0"/>
-              <a:t>III. </a:t>
-            </a:r>
-            <a:r>
-              <a:rPr lang="ru-RU" sz="2800" dirty="0" smtClean="0"/>
-              <a:t>Определение лица</a:t>
-            </a:r>
-            <a:endParaRPr lang="ru-RU" sz="2800" dirty="0"/>
-          </a:p>
-        </p:txBody>
-      </p:sp>
-      <p:pic>
-        <p:nvPicPr>
-          <p:cNvPr id="4098" name="Picture 2" descr="C:\Users\agish_000\Documents\Учебная\Защита иформации\Проект\fig8.jpg"/>
-          <p:cNvPicPr>
-            <a:picLocks noChangeAspect="1" noChangeArrowheads="1"/>
-          </p:cNvPicPr>
-          <p:nvPr/>
-        </p:nvPicPr>
-        <p:blipFill>
-          <a:blip r:embed="rId2"/>
-          <a:srcRect l="18092" t="21635" r="16118"/>
-          <a:stretch>
-            <a:fillRect/>
-          </a:stretch>
-        </p:blipFill>
-        <p:spPr bwMode="auto">
-          <a:xfrm>
-            <a:off x="1000100" y="2500306"/>
-            <a:ext cx="2714644" cy="2458239"/>
-          </a:xfrm>
-          <a:prstGeom prst="rect">
-            <a:avLst/>
-          </a:prstGeom>
-          <a:noFill/>
-        </p:spPr>
-      </p:pic>
-      <p:pic>
-        <p:nvPicPr>
-          <p:cNvPr id="4099" name="Picture 3" descr="C:\Users\agish_000\Documents\Учебная\Защита иформации\Проект\fig9.jpg"/>
-          <p:cNvPicPr>
-            <a:picLocks noChangeAspect="1" noChangeArrowheads="1"/>
-          </p:cNvPicPr>
-          <p:nvPr/>
-        </p:nvPicPr>
-        <p:blipFill>
-          <a:blip r:embed="rId3"/>
-          <a:srcRect l="25862" t="25472" r="15948" b="4480"/>
-          <a:stretch>
-            <a:fillRect/>
-          </a:stretch>
-        </p:blipFill>
-        <p:spPr bwMode="auto">
-          <a:xfrm>
-            <a:off x="5500694" y="2500306"/>
-            <a:ext cx="2571768" cy="2357454"/>
-          </a:xfrm>
-          <a:prstGeom prst="rect">
-            <a:avLst/>
-          </a:prstGeom>
-          <a:noFill/>
-        </p:spPr>
-      </p:pic>
-      <p:sp>
-        <p:nvSpPr>
-          <p:cNvPr id="8" name="TextBox 7"/>
-          <p:cNvSpPr txBox="1"/>
-          <p:nvPr/>
-        </p:nvSpPr>
-        <p:spPr>
-          <a:xfrm>
-            <a:off x="3214678" y="5072074"/>
-            <a:ext cx="3241593" cy="461665"/>
-          </a:xfrm>
-          <a:prstGeom prst="rect">
-            <a:avLst/>
-          </a:prstGeom>
-          <a:noFill/>
-        </p:spPr>
-        <p:txBody>
-          <a:bodyPr wrap="none" rtlCol="0">
-            <a:spAutoFit/>
-          </a:bodyPr>
-          <a:lstStyle/>
-          <a:p>
-            <a:r>
-              <a:rPr lang="ru-RU" sz="2400" dirty="0" smtClean="0"/>
-              <a:t>Распознавание эмоций</a:t>
-            </a:r>
-            <a:endParaRPr lang="ru-RU" sz="2400" dirty="0"/>
+            <a:endParaRPr lang="ru-RU" b="1" dirty="0">
+              <a:solidFill>
+                <a:schemeClr val="tx2"/>
+              </a:solidFill>
+            </a:endParaRPr>
           </a:p>
         </p:txBody>
       </p:sp>
@@ -4306,6 +4450,213 @@
       </p:grpSpPr>
       <p:sp>
         <p:nvSpPr>
+          <p:cNvPr id="6" name="TextBox 5"/>
+          <p:cNvSpPr txBox="1"/>
+          <p:nvPr/>
+        </p:nvSpPr>
+        <p:spPr>
+          <a:xfrm>
+            <a:off x="500034" y="1643050"/>
+            <a:ext cx="8215370" cy="523220"/>
+          </a:xfrm>
+          <a:prstGeom prst="rect">
+            <a:avLst/>
+          </a:prstGeom>
+          <a:noFill/>
+        </p:spPr>
+        <p:txBody>
+          <a:bodyPr wrap="square" rtlCol="0">
+            <a:spAutoFit/>
+          </a:bodyPr>
+          <a:lstStyle/>
+          <a:p>
+            <a:r>
+              <a:rPr lang="en-US" sz="2800" dirty="0" smtClean="0">
+                <a:solidFill>
+                  <a:schemeClr val="tx2"/>
+                </a:solidFill>
+              </a:rPr>
+              <a:t>III. </a:t>
+            </a:r>
+            <a:r>
+              <a:rPr lang="ru-RU" sz="2800" dirty="0" smtClean="0">
+                <a:solidFill>
+                  <a:schemeClr val="tx2"/>
+                </a:solidFill>
+              </a:rPr>
+              <a:t>Определение лица</a:t>
+            </a:r>
+            <a:endParaRPr lang="ru-RU" sz="2800" dirty="0">
+              <a:solidFill>
+                <a:schemeClr val="tx2"/>
+              </a:solidFill>
+            </a:endParaRPr>
+          </a:p>
+        </p:txBody>
+      </p:sp>
+      <p:pic>
+        <p:nvPicPr>
+          <p:cNvPr id="4098" name="Picture 2" descr="C:\Users\agish_000\Documents\Учебная\Защита иформации\Проект\fig8.jpg"/>
+          <p:cNvPicPr>
+            <a:picLocks noChangeAspect="1" noChangeArrowheads="1"/>
+          </p:cNvPicPr>
+          <p:nvPr/>
+        </p:nvPicPr>
+        <p:blipFill>
+          <a:blip r:embed="rId2"/>
+          <a:srcRect l="18092" t="21635" r="16118"/>
+          <a:stretch>
+            <a:fillRect/>
+          </a:stretch>
+        </p:blipFill>
+        <p:spPr bwMode="auto">
+          <a:xfrm>
+            <a:off x="1000100" y="2500306"/>
+            <a:ext cx="2714644" cy="2458239"/>
+          </a:xfrm>
+          <a:prstGeom prst="rect">
+            <a:avLst/>
+          </a:prstGeom>
+          <a:noFill/>
+        </p:spPr>
+      </p:pic>
+      <p:pic>
+        <p:nvPicPr>
+          <p:cNvPr id="4099" name="Picture 3" descr="C:\Users\agish_000\Documents\Учебная\Защита иформации\Проект\fig9.jpg"/>
+          <p:cNvPicPr>
+            <a:picLocks noChangeAspect="1" noChangeArrowheads="1"/>
+          </p:cNvPicPr>
+          <p:nvPr/>
+        </p:nvPicPr>
+        <p:blipFill>
+          <a:blip r:embed="rId3"/>
+          <a:srcRect l="25862" t="25472" r="15948" b="4480"/>
+          <a:stretch>
+            <a:fillRect/>
+          </a:stretch>
+        </p:blipFill>
+        <p:spPr bwMode="auto">
+          <a:xfrm>
+            <a:off x="5500694" y="2500306"/>
+            <a:ext cx="2571768" cy="2357454"/>
+          </a:xfrm>
+          <a:prstGeom prst="rect">
+            <a:avLst/>
+          </a:prstGeom>
+          <a:noFill/>
+        </p:spPr>
+      </p:pic>
+      <p:sp>
+        <p:nvSpPr>
+          <p:cNvPr id="8" name="TextBox 7"/>
+          <p:cNvSpPr txBox="1"/>
+          <p:nvPr/>
+        </p:nvSpPr>
+        <p:spPr>
+          <a:xfrm>
+            <a:off x="3214678" y="5072074"/>
+            <a:ext cx="3241593" cy="461665"/>
+          </a:xfrm>
+          <a:prstGeom prst="rect">
+            <a:avLst/>
+          </a:prstGeom>
+          <a:noFill/>
+        </p:spPr>
+        <p:txBody>
+          <a:bodyPr wrap="none" rtlCol="0">
+            <a:spAutoFit/>
+          </a:bodyPr>
+          <a:lstStyle/>
+          <a:p>
+            <a:r>
+              <a:rPr lang="ru-RU" sz="2400" dirty="0" smtClean="0">
+                <a:solidFill>
+                  <a:schemeClr val="tx2"/>
+                </a:solidFill>
+              </a:rPr>
+              <a:t>Распознавание эмоций</a:t>
+            </a:r>
+            <a:endParaRPr lang="ru-RU" sz="2400" dirty="0">
+              <a:solidFill>
+                <a:schemeClr val="tx2"/>
+              </a:solidFill>
+            </a:endParaRPr>
+          </a:p>
+        </p:txBody>
+      </p:sp>
+      <p:sp>
+        <p:nvSpPr>
+          <p:cNvPr id="10" name="Заголовок 1"/>
+          <p:cNvSpPr>
+            <a:spLocks noGrp="1"/>
+          </p:cNvSpPr>
+          <p:nvPr>
+            <p:ph type="title"/>
+          </p:nvPr>
+        </p:nvSpPr>
+        <p:spPr>
+          <a:xfrm>
+            <a:off x="0" y="285728"/>
+            <a:ext cx="9144000" cy="1368412"/>
+          </a:xfrm>
+        </p:spPr>
+        <p:txBody>
+          <a:bodyPr>
+            <a:normAutofit fontScale="90000"/>
+          </a:bodyPr>
+          <a:lstStyle/>
+          <a:p>
+            <a:r>
+              <a:rPr lang="ru-RU" b="1" dirty="0" smtClean="0">
+                <a:solidFill>
+                  <a:schemeClr val="tx2"/>
+                </a:solidFill>
+              </a:rPr>
+              <a:t>Последовательность  решаемых </a:t>
+            </a:r>
+            <a:r>
+              <a:rPr lang="ru-RU" b="1" dirty="0" smtClean="0">
+                <a:solidFill>
+                  <a:schemeClr val="tx2"/>
+                </a:solidFill>
+              </a:rPr>
+              <a:t>задач</a:t>
+            </a:r>
+            <a:endParaRPr lang="ru-RU" b="1" dirty="0">
+              <a:solidFill>
+                <a:schemeClr val="tx2"/>
+              </a:solidFill>
+            </a:endParaRPr>
+          </a:p>
+        </p:txBody>
+      </p:sp>
+    </p:spTree>
+  </p:cSld>
+  <p:clrMapOvr>
+    <a:masterClrMapping/>
+  </p:clrMapOvr>
+</p:sld>
+</file>
+
+<file path=ppt/slides/slide9.xml><?xml version="1.0" encoding="utf-8"?>
+<p:sld xmlns:a="http://schemas.openxmlformats.org/drawingml/2006/main" xmlns:r="http://schemas.openxmlformats.org/officeDocument/2006/relationships" xmlns:p="http://schemas.openxmlformats.org/presentationml/2006/main">
+  <p:cSld>
+    <p:spTree>
+      <p:nvGrpSpPr>
+        <p:cNvPr id="1" name=""/>
+        <p:cNvGrpSpPr/>
+        <p:nvPr/>
+      </p:nvGrpSpPr>
+      <p:grpSpPr>
+        <a:xfrm>
+          <a:off x="0" y="0"/>
+          <a:ext cx="0" cy="0"/>
+          <a:chOff x="0" y="0"/>
+          <a:chExt cx="0" cy="0"/>
+        </a:xfrm>
+      </p:grpSpPr>
+      <p:sp>
+        <p:nvSpPr>
           <p:cNvPr id="2" name="Заголовок 1"/>
           <p:cNvSpPr>
             <a:spLocks noGrp="1"/>
@@ -4320,10 +4671,18 @@
           <a:lstStyle/>
           <a:p>
             <a:r>
-              <a:rPr lang="ru-RU" dirty="0" smtClean="0"/>
+              <a:rPr lang="ru-RU" b="1" dirty="0" smtClean="0">
+                <a:solidFill>
+                  <a:schemeClr val="tx2"/>
+                </a:solidFill>
+              </a:rPr>
               <a:t>Результаты и выводы</a:t>
             </a:r>
-            <a:endParaRPr lang="ru-RU" dirty="0"/>
+            <a:endParaRPr lang="ru-RU" b="1" dirty="0">
+              <a:solidFill>
+                <a:schemeClr val="tx2"/>
+              </a:solidFill>
+            </a:endParaRPr>
           </a:p>
         </p:txBody>
       </p:sp>

--- a/presentation_files/Презентация.pptx
+++ b/presentation_files/Презентация.pptx
@@ -4,17 +4,23 @@
   <p:sldMasterIdLst>
     <p:sldMasterId id="2147483648" r:id="rId1"/>
   </p:sldMasterIdLst>
+  <p:notesMasterIdLst>
+    <p:notesMasterId r:id="rId15"/>
+  </p:notesMasterIdLst>
   <p:sldIdLst>
     <p:sldId id="256" r:id="rId2"/>
     <p:sldId id="257" r:id="rId3"/>
     <p:sldId id="265" r:id="rId4"/>
-    <p:sldId id="258" r:id="rId5"/>
-    <p:sldId id="259" r:id="rId6"/>
-    <p:sldId id="261" r:id="rId7"/>
-    <p:sldId id="260" r:id="rId8"/>
-    <p:sldId id="263" r:id="rId9"/>
-    <p:sldId id="264" r:id="rId10"/>
-    <p:sldId id="266" r:id="rId11"/>
+    <p:sldId id="267" r:id="rId5"/>
+    <p:sldId id="268" r:id="rId6"/>
+    <p:sldId id="269" r:id="rId7"/>
+    <p:sldId id="258" r:id="rId8"/>
+    <p:sldId id="259" r:id="rId9"/>
+    <p:sldId id="261" r:id="rId10"/>
+    <p:sldId id="260" r:id="rId11"/>
+    <p:sldId id="263" r:id="rId12"/>
+    <p:sldId id="264" r:id="rId13"/>
+    <p:sldId id="266" r:id="rId14"/>
   </p:sldIdLst>
   <p:sldSz cx="9144000" cy="6858000" type="screen4x3"/>
   <p:notesSz cx="6858000" cy="9144000"/>
@@ -116,6 +122,521 @@
 </p:presentation>
 </file>
 
+<file path=ppt/notesMasters/notesMaster1.xml><?xml version="1.0" encoding="utf-8"?>
+<p:notesMaster xmlns:a="http://schemas.openxmlformats.org/drawingml/2006/main" xmlns:r="http://schemas.openxmlformats.org/officeDocument/2006/relationships" xmlns:p="http://schemas.openxmlformats.org/presentationml/2006/main">
+  <p:cSld>
+    <p:bg>
+      <p:bgRef idx="1001">
+        <a:schemeClr val="bg1"/>
+      </p:bgRef>
+    </p:bg>
+    <p:spTree>
+      <p:nvGrpSpPr>
+        <p:cNvPr id="1" name=""/>
+        <p:cNvGrpSpPr/>
+        <p:nvPr/>
+      </p:nvGrpSpPr>
+      <p:grpSpPr>
+        <a:xfrm>
+          <a:off x="0" y="0"/>
+          <a:ext cx="0" cy="0"/>
+          <a:chOff x="0" y="0"/>
+          <a:chExt cx="0" cy="0"/>
+        </a:xfrm>
+      </p:grpSpPr>
+      <p:sp>
+        <p:nvSpPr>
+          <p:cNvPr id="2" name="Верхний колонтитул 1"/>
+          <p:cNvSpPr>
+            <a:spLocks noGrp="1"/>
+          </p:cNvSpPr>
+          <p:nvPr>
+            <p:ph type="hdr" sz="quarter"/>
+          </p:nvPr>
+        </p:nvSpPr>
+        <p:spPr>
+          <a:xfrm>
+            <a:off x="0" y="0"/>
+            <a:ext cx="2971800" cy="457200"/>
+          </a:xfrm>
+          <a:prstGeom prst="rect">
+            <a:avLst/>
+          </a:prstGeom>
+        </p:spPr>
+        <p:txBody>
+          <a:bodyPr vert="horz" lIns="91440" tIns="45720" rIns="91440" bIns="45720" rtlCol="0"/>
+          <a:lstStyle>
+            <a:lvl1pPr algn="l">
+              <a:defRPr sz="1200"/>
+            </a:lvl1pPr>
+          </a:lstStyle>
+          <a:p>
+            <a:endParaRPr lang="ru-RU"/>
+          </a:p>
+        </p:txBody>
+      </p:sp>
+      <p:sp>
+        <p:nvSpPr>
+          <p:cNvPr id="3" name="Дата 2"/>
+          <p:cNvSpPr>
+            <a:spLocks noGrp="1"/>
+          </p:cNvSpPr>
+          <p:nvPr>
+            <p:ph type="dt" idx="1"/>
+          </p:nvPr>
+        </p:nvSpPr>
+        <p:spPr>
+          <a:xfrm>
+            <a:off x="3884613" y="0"/>
+            <a:ext cx="2971800" cy="457200"/>
+          </a:xfrm>
+          <a:prstGeom prst="rect">
+            <a:avLst/>
+          </a:prstGeom>
+        </p:spPr>
+        <p:txBody>
+          <a:bodyPr vert="horz" lIns="91440" tIns="45720" rIns="91440" bIns="45720" rtlCol="0"/>
+          <a:lstStyle>
+            <a:lvl1pPr algn="r">
+              <a:defRPr sz="1200"/>
+            </a:lvl1pPr>
+          </a:lstStyle>
+          <a:p>
+            <a:fld id="{E4A85626-8523-4CF6-82AC-2CE3CD2CFABF}" type="datetimeFigureOut">
+              <a:rPr lang="ru-RU" smtClean="0"/>
+              <a:t>18.11.2016</a:t>
+            </a:fld>
+            <a:endParaRPr lang="ru-RU"/>
+          </a:p>
+        </p:txBody>
+      </p:sp>
+      <p:sp>
+        <p:nvSpPr>
+          <p:cNvPr id="4" name="Образ слайда 3"/>
+          <p:cNvSpPr>
+            <a:spLocks noGrp="1" noRot="1" noChangeAspect="1"/>
+          </p:cNvSpPr>
+          <p:nvPr>
+            <p:ph type="sldImg" idx="2"/>
+          </p:nvPr>
+        </p:nvSpPr>
+        <p:spPr>
+          <a:xfrm>
+            <a:off x="1143000" y="685800"/>
+            <a:ext cx="4572000" cy="3429000"/>
+          </a:xfrm>
+          <a:prstGeom prst="rect">
+            <a:avLst/>
+          </a:prstGeom>
+          <a:noFill/>
+          <a:ln w="12700">
+            <a:solidFill>
+              <a:prstClr val="black"/>
+            </a:solidFill>
+          </a:ln>
+        </p:spPr>
+        <p:txBody>
+          <a:bodyPr vert="horz" lIns="91440" tIns="45720" rIns="91440" bIns="45720" rtlCol="0" anchor="ctr"/>
+          <a:lstStyle/>
+          <a:p>
+            <a:endParaRPr lang="ru-RU"/>
+          </a:p>
+        </p:txBody>
+      </p:sp>
+      <p:sp>
+        <p:nvSpPr>
+          <p:cNvPr id="5" name="Заметки 4"/>
+          <p:cNvSpPr>
+            <a:spLocks noGrp="1"/>
+          </p:cNvSpPr>
+          <p:nvPr>
+            <p:ph type="body" sz="quarter" idx="3"/>
+          </p:nvPr>
+        </p:nvSpPr>
+        <p:spPr>
+          <a:xfrm>
+            <a:off x="685800" y="4343400"/>
+            <a:ext cx="5486400" cy="4114800"/>
+          </a:xfrm>
+          <a:prstGeom prst="rect">
+            <a:avLst/>
+          </a:prstGeom>
+        </p:spPr>
+        <p:txBody>
+          <a:bodyPr vert="horz" lIns="91440" tIns="45720" rIns="91440" bIns="45720" rtlCol="0">
+            <a:normAutofit/>
+          </a:bodyPr>
+          <a:lstStyle/>
+          <a:p>
+            <a:pPr lvl="0"/>
+            <a:r>
+              <a:rPr lang="ru-RU" smtClean="0"/>
+              <a:t>Образец текста</a:t>
+            </a:r>
+          </a:p>
+          <a:p>
+            <a:pPr lvl="1"/>
+            <a:r>
+              <a:rPr lang="ru-RU" smtClean="0"/>
+              <a:t>Второй уровень</a:t>
+            </a:r>
+          </a:p>
+          <a:p>
+            <a:pPr lvl="2"/>
+            <a:r>
+              <a:rPr lang="ru-RU" smtClean="0"/>
+              <a:t>Третий уровень</a:t>
+            </a:r>
+          </a:p>
+          <a:p>
+            <a:pPr lvl="3"/>
+            <a:r>
+              <a:rPr lang="ru-RU" smtClean="0"/>
+              <a:t>Четвертый уровень</a:t>
+            </a:r>
+          </a:p>
+          <a:p>
+            <a:pPr lvl="4"/>
+            <a:r>
+              <a:rPr lang="ru-RU" smtClean="0"/>
+              <a:t>Пятый уровень</a:t>
+            </a:r>
+            <a:endParaRPr lang="ru-RU"/>
+          </a:p>
+        </p:txBody>
+      </p:sp>
+      <p:sp>
+        <p:nvSpPr>
+          <p:cNvPr id="6" name="Нижний колонтитул 5"/>
+          <p:cNvSpPr>
+            <a:spLocks noGrp="1"/>
+          </p:cNvSpPr>
+          <p:nvPr>
+            <p:ph type="ftr" sz="quarter" idx="4"/>
+          </p:nvPr>
+        </p:nvSpPr>
+        <p:spPr>
+          <a:xfrm>
+            <a:off x="0" y="8685213"/>
+            <a:ext cx="2971800" cy="457200"/>
+          </a:xfrm>
+          <a:prstGeom prst="rect">
+            <a:avLst/>
+          </a:prstGeom>
+        </p:spPr>
+        <p:txBody>
+          <a:bodyPr vert="horz" lIns="91440" tIns="45720" rIns="91440" bIns="45720" rtlCol="0" anchor="b"/>
+          <a:lstStyle>
+            <a:lvl1pPr algn="l">
+              <a:defRPr sz="1200"/>
+            </a:lvl1pPr>
+          </a:lstStyle>
+          <a:p>
+            <a:endParaRPr lang="ru-RU"/>
+          </a:p>
+        </p:txBody>
+      </p:sp>
+      <p:sp>
+        <p:nvSpPr>
+          <p:cNvPr id="7" name="Номер слайда 6"/>
+          <p:cNvSpPr>
+            <a:spLocks noGrp="1"/>
+          </p:cNvSpPr>
+          <p:nvPr>
+            <p:ph type="sldNum" sz="quarter" idx="5"/>
+          </p:nvPr>
+        </p:nvSpPr>
+        <p:spPr>
+          <a:xfrm>
+            <a:off x="3884613" y="8685213"/>
+            <a:ext cx="2971800" cy="457200"/>
+          </a:xfrm>
+          <a:prstGeom prst="rect">
+            <a:avLst/>
+          </a:prstGeom>
+        </p:spPr>
+        <p:txBody>
+          <a:bodyPr vert="horz" lIns="91440" tIns="45720" rIns="91440" bIns="45720" rtlCol="0" anchor="b"/>
+          <a:lstStyle>
+            <a:lvl1pPr algn="r">
+              <a:defRPr sz="1200"/>
+            </a:lvl1pPr>
+          </a:lstStyle>
+          <a:p>
+            <a:fld id="{28F354F5-7964-4536-B782-1086AEB54485}" type="slidenum">
+              <a:rPr lang="ru-RU" smtClean="0"/>
+              <a:t>‹#›</a:t>
+            </a:fld>
+            <a:endParaRPr lang="ru-RU"/>
+          </a:p>
+        </p:txBody>
+      </p:sp>
+    </p:spTree>
+  </p:cSld>
+  <p:clrMap bg1="lt1" tx1="dk1" bg2="lt2" tx2="dk2" accent1="accent1" accent2="accent2" accent3="accent3" accent4="accent4" accent5="accent5" accent6="accent6" hlink="hlink" folHlink="folHlink"/>
+  <p:notesStyle>
+    <a:lvl1pPr marL="0" algn="l" defTabSz="914400" rtl="0" eaLnBrk="1" latinLnBrk="0" hangingPunct="1">
+      <a:defRPr sz="1200" kern="1200">
+        <a:solidFill>
+          <a:schemeClr val="tx1"/>
+        </a:solidFill>
+        <a:latin typeface="+mn-lt"/>
+        <a:ea typeface="+mn-ea"/>
+        <a:cs typeface="+mn-cs"/>
+      </a:defRPr>
+    </a:lvl1pPr>
+    <a:lvl2pPr marL="457200" algn="l" defTabSz="914400" rtl="0" eaLnBrk="1" latinLnBrk="0" hangingPunct="1">
+      <a:defRPr sz="1200" kern="1200">
+        <a:solidFill>
+          <a:schemeClr val="tx1"/>
+        </a:solidFill>
+        <a:latin typeface="+mn-lt"/>
+        <a:ea typeface="+mn-ea"/>
+        <a:cs typeface="+mn-cs"/>
+      </a:defRPr>
+    </a:lvl2pPr>
+    <a:lvl3pPr marL="914400" algn="l" defTabSz="914400" rtl="0" eaLnBrk="1" latinLnBrk="0" hangingPunct="1">
+      <a:defRPr sz="1200" kern="1200">
+        <a:solidFill>
+          <a:schemeClr val="tx1"/>
+        </a:solidFill>
+        <a:latin typeface="+mn-lt"/>
+        <a:ea typeface="+mn-ea"/>
+        <a:cs typeface="+mn-cs"/>
+      </a:defRPr>
+    </a:lvl3pPr>
+    <a:lvl4pPr marL="1371600" algn="l" defTabSz="914400" rtl="0" eaLnBrk="1" latinLnBrk="0" hangingPunct="1">
+      <a:defRPr sz="1200" kern="1200">
+        <a:solidFill>
+          <a:schemeClr val="tx1"/>
+        </a:solidFill>
+        <a:latin typeface="+mn-lt"/>
+        <a:ea typeface="+mn-ea"/>
+        <a:cs typeface="+mn-cs"/>
+      </a:defRPr>
+    </a:lvl4pPr>
+    <a:lvl5pPr marL="1828800" algn="l" defTabSz="914400" rtl="0" eaLnBrk="1" latinLnBrk="0" hangingPunct="1">
+      <a:defRPr sz="1200" kern="1200">
+        <a:solidFill>
+          <a:schemeClr val="tx1"/>
+        </a:solidFill>
+        <a:latin typeface="+mn-lt"/>
+        <a:ea typeface="+mn-ea"/>
+        <a:cs typeface="+mn-cs"/>
+      </a:defRPr>
+    </a:lvl5pPr>
+    <a:lvl6pPr marL="2286000" algn="l" defTabSz="914400" rtl="0" eaLnBrk="1" latinLnBrk="0" hangingPunct="1">
+      <a:defRPr sz="1200" kern="1200">
+        <a:solidFill>
+          <a:schemeClr val="tx1"/>
+        </a:solidFill>
+        <a:latin typeface="+mn-lt"/>
+        <a:ea typeface="+mn-ea"/>
+        <a:cs typeface="+mn-cs"/>
+      </a:defRPr>
+    </a:lvl6pPr>
+    <a:lvl7pPr marL="2743200" algn="l" defTabSz="914400" rtl="0" eaLnBrk="1" latinLnBrk="0" hangingPunct="1">
+      <a:defRPr sz="1200" kern="1200">
+        <a:solidFill>
+          <a:schemeClr val="tx1"/>
+        </a:solidFill>
+        <a:latin typeface="+mn-lt"/>
+        <a:ea typeface="+mn-ea"/>
+        <a:cs typeface="+mn-cs"/>
+      </a:defRPr>
+    </a:lvl7pPr>
+    <a:lvl8pPr marL="3200400" algn="l" defTabSz="914400" rtl="0" eaLnBrk="1" latinLnBrk="0" hangingPunct="1">
+      <a:defRPr sz="1200" kern="1200">
+        <a:solidFill>
+          <a:schemeClr val="tx1"/>
+        </a:solidFill>
+        <a:latin typeface="+mn-lt"/>
+        <a:ea typeface="+mn-ea"/>
+        <a:cs typeface="+mn-cs"/>
+      </a:defRPr>
+    </a:lvl8pPr>
+    <a:lvl9pPr marL="3657600" algn="l" defTabSz="914400" rtl="0" eaLnBrk="1" latinLnBrk="0" hangingPunct="1">
+      <a:defRPr sz="1200" kern="1200">
+        <a:solidFill>
+          <a:schemeClr val="tx1"/>
+        </a:solidFill>
+        <a:latin typeface="+mn-lt"/>
+        <a:ea typeface="+mn-ea"/>
+        <a:cs typeface="+mn-cs"/>
+      </a:defRPr>
+    </a:lvl9pPr>
+  </p:notesStyle>
+</p:notesMaster>
+</file>
+
+<file path=ppt/notesSlides/notesSlide1.xml><?xml version="1.0" encoding="utf-8"?>
+<p:notes xmlns:a="http://schemas.openxmlformats.org/drawingml/2006/main" xmlns:r="http://schemas.openxmlformats.org/officeDocument/2006/relationships" xmlns:p="http://schemas.openxmlformats.org/presentationml/2006/main">
+  <p:cSld>
+    <p:spTree>
+      <p:nvGrpSpPr>
+        <p:cNvPr id="1" name=""/>
+        <p:cNvGrpSpPr/>
+        <p:nvPr/>
+      </p:nvGrpSpPr>
+      <p:grpSpPr>
+        <a:xfrm>
+          <a:off x="0" y="0"/>
+          <a:ext cx="0" cy="0"/>
+          <a:chOff x="0" y="0"/>
+          <a:chExt cx="0" cy="0"/>
+        </a:xfrm>
+      </p:grpSpPr>
+      <p:sp>
+        <p:nvSpPr>
+          <p:cNvPr id="2" name="Rectangle 1"/>
+          <p:cNvSpPr>
+            <a:spLocks noGrp="1" noRot="1" noChangeAspect="1"/>
+          </p:cNvSpPr>
+          <p:nvPr>
+            <p:ph type="sldImg"/>
+          </p:nvPr>
+        </p:nvSpPr>
+        <p:spPr/>
+      </p:sp>
+      <p:sp>
+        <p:nvSpPr>
+          <p:cNvPr id="3" name="Rectangle 2"/>
+          <p:cNvSpPr>
+            <a:spLocks noGrp="1"/>
+          </p:cNvSpPr>
+          <p:nvPr>
+            <p:ph type="body" idx="1"/>
+          </p:nvPr>
+        </p:nvSpPr>
+        <p:spPr/>
+        <p:txBody>
+          <a:bodyPr/>
+          <a:lstStyle>
+            <a:extLst/>
+          </a:lstStyle>
+          <a:p>
+            <a:endParaRPr lang="en-US"/>
+          </a:p>
+        </p:txBody>
+      </p:sp>
+      <p:sp>
+        <p:nvSpPr>
+          <p:cNvPr id="4" name="Rectangle 3"/>
+          <p:cNvSpPr>
+            <a:spLocks noGrp="1"/>
+          </p:cNvSpPr>
+          <p:nvPr>
+            <p:ph type="sldNum" sz="quarter" idx="10"/>
+          </p:nvPr>
+        </p:nvSpPr>
+        <p:spPr/>
+        <p:txBody>
+          <a:bodyPr/>
+          <a:lstStyle>
+            <a:extLst/>
+          </a:lstStyle>
+          <a:p>
+            <a:fld id="{CA5D3BF3-D352-46FC-8343-31F56E6730EA}" type="slidenum">
+              <a:rPr lang="en-US" smtClean="0"/>
+              <a:pPr/>
+              <a:t>5</a:t>
+            </a:fld>
+            <a:endParaRPr lang="en-US"/>
+          </a:p>
+        </p:txBody>
+      </p:sp>
+    </p:spTree>
+  </p:cSld>
+  <p:clrMapOvr>
+    <a:masterClrMapping/>
+  </p:clrMapOvr>
+</p:notes>
+</file>
+
+<file path=ppt/notesSlides/notesSlide2.xml><?xml version="1.0" encoding="utf-8"?>
+<p:notes xmlns:a="http://schemas.openxmlformats.org/drawingml/2006/main" xmlns:r="http://schemas.openxmlformats.org/officeDocument/2006/relationships" xmlns:p="http://schemas.openxmlformats.org/presentationml/2006/main">
+  <p:cSld>
+    <p:spTree>
+      <p:nvGrpSpPr>
+        <p:cNvPr id="1" name=""/>
+        <p:cNvGrpSpPr/>
+        <p:nvPr/>
+      </p:nvGrpSpPr>
+      <p:grpSpPr>
+        <a:xfrm>
+          <a:off x="0" y="0"/>
+          <a:ext cx="0" cy="0"/>
+          <a:chOff x="0" y="0"/>
+          <a:chExt cx="0" cy="0"/>
+        </a:xfrm>
+      </p:grpSpPr>
+      <p:sp>
+        <p:nvSpPr>
+          <p:cNvPr id="2" name="Rectangle 1"/>
+          <p:cNvSpPr>
+            <a:spLocks noGrp="1" noRot="1" noChangeAspect="1"/>
+          </p:cNvSpPr>
+          <p:nvPr>
+            <p:ph type="sldImg"/>
+          </p:nvPr>
+        </p:nvSpPr>
+        <p:spPr/>
+      </p:sp>
+      <p:sp>
+        <p:nvSpPr>
+          <p:cNvPr id="3" name="Rectangle 2"/>
+          <p:cNvSpPr>
+            <a:spLocks noGrp="1"/>
+          </p:cNvSpPr>
+          <p:nvPr>
+            <p:ph type="body" idx="1"/>
+          </p:nvPr>
+        </p:nvSpPr>
+        <p:spPr/>
+        <p:txBody>
+          <a:bodyPr/>
+          <a:lstStyle>
+            <a:extLst/>
+          </a:lstStyle>
+          <a:p>
+            <a:endParaRPr lang="en-US"/>
+          </a:p>
+        </p:txBody>
+      </p:sp>
+      <p:sp>
+        <p:nvSpPr>
+          <p:cNvPr id="4" name="Rectangle 3"/>
+          <p:cNvSpPr>
+            <a:spLocks noGrp="1"/>
+          </p:cNvSpPr>
+          <p:nvPr>
+            <p:ph type="sldNum" sz="quarter" idx="10"/>
+          </p:nvPr>
+        </p:nvSpPr>
+        <p:spPr/>
+        <p:txBody>
+          <a:bodyPr/>
+          <a:lstStyle>
+            <a:extLst/>
+          </a:lstStyle>
+          <a:p>
+            <a:fld id="{CA5D3BF3-D352-46FC-8343-31F56E6730EA}" type="slidenum">
+              <a:rPr lang="en-US" smtClean="0"/>
+              <a:pPr/>
+              <a:t>6</a:t>
+            </a:fld>
+            <a:endParaRPr lang="en-US"/>
+          </a:p>
+        </p:txBody>
+      </p:sp>
+    </p:spTree>
+  </p:cSld>
+  <p:clrMapOvr>
+    <a:masterClrMapping/>
+  </p:clrMapOvr>
+</p:notes>
+</file>
+
 <file path=ppt/slideLayouts/slideLayout1.xml><?xml version="1.0" encoding="utf-8"?>
 <p:sldLayout xmlns:a="http://schemas.openxmlformats.org/drawingml/2006/main" xmlns:r="http://schemas.openxmlformats.org/officeDocument/2006/relationships" xmlns:p="http://schemas.openxmlformats.org/presentationml/2006/main" type="title" preserve="1">
   <p:cSld name="Титульный слайд">
@@ -298,7 +819,7 @@
             <a:fld id="{5B106E36-FD25-4E2D-B0AA-010F637433A0}" type="datetimeFigureOut">
               <a:rPr lang="ru-RU" smtClean="0"/>
               <a:pPr/>
-              <a:t>13.11.2016</a:t>
+              <a:t>18.11.2016</a:t>
             </a:fld>
             <a:endParaRPr lang="ru-RU"/>
           </a:p>
@@ -465,7 +986,7 @@
             <a:fld id="{5B106E36-FD25-4E2D-B0AA-010F637433A0}" type="datetimeFigureOut">
               <a:rPr lang="ru-RU" smtClean="0"/>
               <a:pPr/>
-              <a:t>13.11.2016</a:t>
+              <a:t>18.11.2016</a:t>
             </a:fld>
             <a:endParaRPr lang="ru-RU"/>
           </a:p>
@@ -642,7 +1163,7 @@
             <a:fld id="{5B106E36-FD25-4E2D-B0AA-010F637433A0}" type="datetimeFigureOut">
               <a:rPr lang="ru-RU" smtClean="0"/>
               <a:pPr/>
-              <a:t>13.11.2016</a:t>
+              <a:t>18.11.2016</a:t>
             </a:fld>
             <a:endParaRPr lang="ru-RU"/>
           </a:p>
@@ -688,6 +1209,193 @@
               <a:t>‹#›</a:t>
             </a:fld>
             <a:endParaRPr lang="ru-RU"/>
+          </a:p>
+        </p:txBody>
+      </p:sp>
+    </p:spTree>
+  </p:cSld>
+  <p:clrMapOvr>
+    <a:masterClrMapping/>
+  </p:clrMapOvr>
+</p:sldLayout>
+</file>
+
+<file path=ppt/slideLayouts/slideLayout12.xml><?xml version="1.0" encoding="utf-8"?>
+<p:sldLayout xmlns:a="http://schemas.openxmlformats.org/drawingml/2006/main" xmlns:r="http://schemas.openxmlformats.org/officeDocument/2006/relationships" xmlns:p="http://schemas.openxmlformats.org/presentationml/2006/main">
+  <p:cSld name="Custom Layout">
+    <p:spTree>
+      <p:nvGrpSpPr>
+        <p:cNvPr id="1" name=""/>
+        <p:cNvGrpSpPr/>
+        <p:nvPr/>
+      </p:nvGrpSpPr>
+      <p:grpSpPr>
+        <a:xfrm>
+          <a:off x="0" y="0"/>
+          <a:ext cx="0" cy="0"/>
+          <a:chOff x="0" y="0"/>
+          <a:chExt cx="0" cy="0"/>
+        </a:xfrm>
+      </p:grpSpPr>
+      <p:sp>
+        <p:nvSpPr>
+          <p:cNvPr id="2" name="Rectangle 1"/>
+          <p:cNvSpPr>
+            <a:spLocks noGrp="1"/>
+          </p:cNvSpPr>
+          <p:nvPr>
+            <p:ph type="title"/>
+          </p:nvPr>
+        </p:nvSpPr>
+        <p:spPr/>
+        <p:txBody>
+          <a:bodyPr/>
+          <a:lstStyle>
+            <a:extLst/>
+          </a:lstStyle>
+          <a:p>
+            <a:r>
+              <a:rPr lang="en-US" smtClean="0"/>
+              <a:t>Click to edit Master title style</a:t>
+            </a:r>
+            <a:endParaRPr lang="en-US" dirty="0"/>
+          </a:p>
+        </p:txBody>
+      </p:sp>
+      <p:sp>
+        <p:nvSpPr>
+          <p:cNvPr id="3" name="Rectangle 2"/>
+          <p:cNvSpPr>
+            <a:spLocks noGrp="1"/>
+          </p:cNvSpPr>
+          <p:nvPr>
+            <p:ph type="dt" sz="half" idx="10"/>
+          </p:nvPr>
+        </p:nvSpPr>
+        <p:spPr/>
+        <p:txBody>
+          <a:bodyPr/>
+          <a:lstStyle>
+            <a:extLst/>
+          </a:lstStyle>
+          <a:p>
+            <a:fld id="{E4606EA6-EFEA-4C30-9264-4F9291A5780D}" type="datetime1">
+              <a:rPr lang="en-US" smtClean="0"/>
+              <a:pPr/>
+              <a:t>11/18/2016</a:t>
+            </a:fld>
+            <a:endParaRPr lang="en-US"/>
+          </a:p>
+        </p:txBody>
+      </p:sp>
+      <p:sp>
+        <p:nvSpPr>
+          <p:cNvPr id="4" name="Rectangle 3"/>
+          <p:cNvSpPr>
+            <a:spLocks noGrp="1"/>
+          </p:cNvSpPr>
+          <p:nvPr>
+            <p:ph type="ftr" sz="quarter" idx="11"/>
+          </p:nvPr>
+        </p:nvSpPr>
+        <p:spPr/>
+        <p:txBody>
+          <a:bodyPr/>
+          <a:lstStyle>
+            <a:extLst/>
+          </a:lstStyle>
+          <a:p>
+            <a:endParaRPr lang="en-US"/>
+          </a:p>
+        </p:txBody>
+      </p:sp>
+      <p:sp>
+        <p:nvSpPr>
+          <p:cNvPr id="5" name="Rectangle 4"/>
+          <p:cNvSpPr>
+            <a:spLocks noGrp="1"/>
+          </p:cNvSpPr>
+          <p:nvPr>
+            <p:ph type="sldNum" sz="quarter" idx="12"/>
+          </p:nvPr>
+        </p:nvSpPr>
+        <p:spPr/>
+        <p:txBody>
+          <a:bodyPr/>
+          <a:lstStyle>
+            <a:extLst/>
+          </a:lstStyle>
+          <a:p>
+            <a:pPr algn="ctr"/>
+            <a:fld id="{8F82E0A0-C266-4798-8C8F-B9F91E9DA37E}" type="slidenum">
+              <a:rPr lang="en-US" sz="1400" b="1" smtClean="0">
+                <a:solidFill>
+                  <a:srgbClr val="FFFFFF"/>
+                </a:solidFill>
+              </a:rPr>
+              <a:pPr algn="ctr"/>
+              <a:t>‹#›</a:t>
+            </a:fld>
+            <a:endParaRPr lang="en-US"/>
+          </a:p>
+        </p:txBody>
+      </p:sp>
+      <p:sp>
+        <p:nvSpPr>
+          <p:cNvPr id="7" name="Rectangle 6"/>
+          <p:cNvSpPr>
+            <a:spLocks noGrp="1"/>
+          </p:cNvSpPr>
+          <p:nvPr>
+            <p:ph sz="quarter" idx="13"/>
+          </p:nvPr>
+        </p:nvSpPr>
+        <p:spPr>
+          <a:xfrm>
+            <a:off x="609600" y="1803400"/>
+            <a:ext cx="8153400" cy="4368800"/>
+          </a:xfrm>
+        </p:spPr>
+        <p:txBody>
+          <a:bodyPr/>
+          <a:lstStyle>
+            <a:extLst/>
+          </a:lstStyle>
+          <a:p>
+            <a:pPr lvl="0"/>
+            <a:r>
+              <a:rPr lang="en-US" smtClean="0"/>
+              <a:t>Click to edit Master text styles</a:t>
+            </a:r>
+          </a:p>
+          <a:p>
+            <a:pPr lvl="1"/>
+            <a:r>
+              <a:rPr lang="en-US" smtClean="0"/>
+              <a:t>Second level</a:t>
+            </a:r>
+          </a:p>
+          <a:p>
+            <a:pPr lvl="2"/>
+            <a:r>
+              <a:rPr lang="en-US" smtClean="0"/>
+              <a:t>Third level</a:t>
+            </a:r>
+          </a:p>
+          <a:p>
+            <a:pPr lvl="3"/>
+            <a:r>
+              <a:rPr lang="en-US" smtClean="0"/>
+              <a:t>Fourth level</a:t>
+            </a:r>
+          </a:p>
+          <a:p>
+            <a:pPr lvl="4"/>
+            <a:r>
+              <a:rPr lang="en-US" smtClean="0"/>
+              <a:t>Fifth level</a:t>
+            </a:r>
+            <a:endParaRPr lang="en-US"/>
           </a:p>
         </p:txBody>
       </p:sp>
@@ -809,7 +1517,7 @@
             <a:fld id="{5B106E36-FD25-4E2D-B0AA-010F637433A0}" type="datetimeFigureOut">
               <a:rPr lang="ru-RU" smtClean="0"/>
               <a:pPr/>
-              <a:t>13.11.2016</a:t>
+              <a:t>18.11.2016</a:t>
             </a:fld>
             <a:endParaRPr lang="ru-RU"/>
           </a:p>
@@ -1052,7 +1760,7 @@
             <a:fld id="{5B106E36-FD25-4E2D-B0AA-010F637433A0}" type="datetimeFigureOut">
               <a:rPr lang="ru-RU" smtClean="0"/>
               <a:pPr/>
-              <a:t>13.11.2016</a:t>
+              <a:t>18.11.2016</a:t>
             </a:fld>
             <a:endParaRPr lang="ru-RU"/>
           </a:p>
@@ -1337,7 +2045,7 @@
             <a:fld id="{5B106E36-FD25-4E2D-B0AA-010F637433A0}" type="datetimeFigureOut">
               <a:rPr lang="ru-RU" smtClean="0"/>
               <a:pPr/>
-              <a:t>13.11.2016</a:t>
+              <a:t>18.11.2016</a:t>
             </a:fld>
             <a:endParaRPr lang="ru-RU"/>
           </a:p>
@@ -1756,7 +2464,7 @@
             <a:fld id="{5B106E36-FD25-4E2D-B0AA-010F637433A0}" type="datetimeFigureOut">
               <a:rPr lang="ru-RU" smtClean="0"/>
               <a:pPr/>
-              <a:t>13.11.2016</a:t>
+              <a:t>18.11.2016</a:t>
             </a:fld>
             <a:endParaRPr lang="ru-RU"/>
           </a:p>
@@ -1871,7 +2579,7 @@
             <a:fld id="{5B106E36-FD25-4E2D-B0AA-010F637433A0}" type="datetimeFigureOut">
               <a:rPr lang="ru-RU" smtClean="0"/>
               <a:pPr/>
-              <a:t>13.11.2016</a:t>
+              <a:t>18.11.2016</a:t>
             </a:fld>
             <a:endParaRPr lang="ru-RU"/>
           </a:p>
@@ -1963,7 +2671,7 @@
             <a:fld id="{5B106E36-FD25-4E2D-B0AA-010F637433A0}" type="datetimeFigureOut">
               <a:rPr lang="ru-RU" smtClean="0"/>
               <a:pPr/>
-              <a:t>13.11.2016</a:t>
+              <a:t>18.11.2016</a:t>
             </a:fld>
             <a:endParaRPr lang="ru-RU"/>
           </a:p>
@@ -2237,7 +2945,7 @@
             <a:fld id="{5B106E36-FD25-4E2D-B0AA-010F637433A0}" type="datetimeFigureOut">
               <a:rPr lang="ru-RU" smtClean="0"/>
               <a:pPr/>
-              <a:t>13.11.2016</a:t>
+              <a:t>18.11.2016</a:t>
             </a:fld>
             <a:endParaRPr lang="ru-RU"/>
           </a:p>
@@ -2487,7 +3195,7 @@
             <a:fld id="{5B106E36-FD25-4E2D-B0AA-010F637433A0}" type="datetimeFigureOut">
               <a:rPr lang="ru-RU" smtClean="0"/>
               <a:pPr/>
-              <a:t>13.11.2016</a:t>
+              <a:t>18.11.2016</a:t>
             </a:fld>
             <a:endParaRPr lang="ru-RU"/>
           </a:p>
@@ -2697,7 +3405,7 @@
             <a:fld id="{5B106E36-FD25-4E2D-B0AA-010F637433A0}" type="datetimeFigureOut">
               <a:rPr lang="ru-RU" smtClean="0"/>
               <a:pPr/>
-              <a:t>13.11.2016</a:t>
+              <a:t>18.11.2016</a:t>
             </a:fld>
             <a:endParaRPr lang="ru-RU"/>
           </a:p>
@@ -2797,6 +3505,7 @@
     <p:sldLayoutId id="2147483657" r:id="rId9"/>
     <p:sldLayoutId id="2147483658" r:id="rId10"/>
     <p:sldLayoutId id="2147483659" r:id="rId11"/>
+    <p:sldLayoutId id="2147483660" r:id="rId12"/>
   </p:sldLayoutIdLst>
   <p:txStyles>
     <p:titleStyle>
@@ -3179,21 +3888,12 @@
               <a:rPr lang="ru-RU" dirty="0" smtClean="0"/>
               <a:t>, К. Королев, Р. Агишев</a:t>
             </a:r>
-            <a:endParaRPr lang="ru-RU" dirty="0" smtClean="0"/>
           </a:p>
           <a:p>
             <a:pPr algn="ctr"/>
             <a:r>
               <a:rPr lang="ru-RU" dirty="0" smtClean="0"/>
-              <a:t>Московский </a:t>
-            </a:r>
-            <a:r>
-              <a:rPr lang="ru-RU" dirty="0" smtClean="0"/>
-              <a:t>физико-технический </a:t>
-            </a:r>
-            <a:r>
-              <a:rPr lang="ru-RU" dirty="0" smtClean="0"/>
-              <a:t>институт</a:t>
+              <a:t>Московский физико-технический институт</a:t>
             </a:r>
           </a:p>
           <a:p>
@@ -3263,10 +3963,510 @@
   <p:clrMapOvr>
     <a:masterClrMapping/>
   </p:clrMapOvr>
+  <p:timing>
+    <p:tnLst>
+      <p:par>
+        <p:cTn id="1" dur="indefinite" restart="never" nodeType="tmRoot"/>
+      </p:par>
+    </p:tnLst>
+  </p:timing>
 </p:sld>
 </file>
 
 <file path=ppt/slides/slide10.xml><?xml version="1.0" encoding="utf-8"?>
+<p:sld xmlns:a="http://schemas.openxmlformats.org/drawingml/2006/main" xmlns:r="http://schemas.openxmlformats.org/officeDocument/2006/relationships" xmlns:p="http://schemas.openxmlformats.org/presentationml/2006/main">
+  <p:cSld>
+    <p:spTree>
+      <p:nvGrpSpPr>
+        <p:cNvPr id="1" name=""/>
+        <p:cNvGrpSpPr/>
+        <p:nvPr/>
+      </p:nvGrpSpPr>
+      <p:grpSpPr>
+        <a:xfrm>
+          <a:off x="0" y="0"/>
+          <a:ext cx="0" cy="0"/>
+          <a:chOff x="0" y="0"/>
+          <a:chExt cx="0" cy="0"/>
+        </a:xfrm>
+      </p:grpSpPr>
+      <p:sp>
+        <p:nvSpPr>
+          <p:cNvPr id="6" name="TextBox 5"/>
+          <p:cNvSpPr txBox="1"/>
+          <p:nvPr/>
+        </p:nvSpPr>
+        <p:spPr>
+          <a:xfrm>
+            <a:off x="500034" y="1643050"/>
+            <a:ext cx="8215370" cy="523220"/>
+          </a:xfrm>
+          <a:prstGeom prst="rect">
+            <a:avLst/>
+          </a:prstGeom>
+          <a:noFill/>
+        </p:spPr>
+        <p:txBody>
+          <a:bodyPr wrap="square" rtlCol="0">
+            <a:spAutoFit/>
+          </a:bodyPr>
+          <a:lstStyle/>
+          <a:p>
+            <a:r>
+              <a:rPr lang="en-US" sz="2800" dirty="0" smtClean="0">
+                <a:solidFill>
+                  <a:schemeClr val="tx2"/>
+                </a:solidFill>
+              </a:rPr>
+              <a:t>III. </a:t>
+            </a:r>
+            <a:r>
+              <a:rPr lang="ru-RU" sz="2800" dirty="0" smtClean="0">
+                <a:solidFill>
+                  <a:schemeClr val="tx2"/>
+                </a:solidFill>
+              </a:rPr>
+              <a:t>Определение человека по лицу</a:t>
+            </a:r>
+            <a:endParaRPr lang="ru-RU" sz="2800" dirty="0">
+              <a:solidFill>
+                <a:schemeClr val="tx2"/>
+              </a:solidFill>
+            </a:endParaRPr>
+          </a:p>
+        </p:txBody>
+      </p:sp>
+      <p:pic>
+        <p:nvPicPr>
+          <p:cNvPr id="3074" name="Picture 2" descr="C:\Users\agish_000\Documents\Учебная\Защита иформации\Проект\conf_photos\conf_photos\test1.png"/>
+          <p:cNvPicPr>
+            <a:picLocks noChangeAspect="1" noChangeArrowheads="1"/>
+          </p:cNvPicPr>
+          <p:nvPr/>
+        </p:nvPicPr>
+        <p:blipFill>
+          <a:blip r:embed="rId2"/>
+          <a:srcRect/>
+          <a:stretch>
+            <a:fillRect/>
+          </a:stretch>
+        </p:blipFill>
+        <p:spPr bwMode="auto">
+          <a:xfrm>
+            <a:off x="714348" y="2500306"/>
+            <a:ext cx="3831719" cy="2928958"/>
+          </a:xfrm>
+          <a:prstGeom prst="rect">
+            <a:avLst/>
+          </a:prstGeom>
+          <a:noFill/>
+        </p:spPr>
+      </p:pic>
+      <p:pic>
+        <p:nvPicPr>
+          <p:cNvPr id="3075" name="Picture 3" descr="C:\Users\agish_000\Documents\Учебная\Защита иформации\Проект\conf_photos\conf_photos\test2.png"/>
+          <p:cNvPicPr>
+            <a:picLocks noChangeAspect="1" noChangeArrowheads="1"/>
+          </p:cNvPicPr>
+          <p:nvPr/>
+        </p:nvPicPr>
+        <p:blipFill>
+          <a:blip r:embed="rId3"/>
+          <a:srcRect/>
+          <a:stretch>
+            <a:fillRect/>
+          </a:stretch>
+        </p:blipFill>
+        <p:spPr bwMode="auto">
+          <a:xfrm>
+            <a:off x="4931240" y="2571744"/>
+            <a:ext cx="3877270" cy="2928958"/>
+          </a:xfrm>
+          <a:prstGeom prst="rect">
+            <a:avLst/>
+          </a:prstGeom>
+          <a:noFill/>
+        </p:spPr>
+      </p:pic>
+      <p:sp>
+        <p:nvSpPr>
+          <p:cNvPr id="11" name="Заголовок 1"/>
+          <p:cNvSpPr>
+            <a:spLocks noGrp="1"/>
+          </p:cNvSpPr>
+          <p:nvPr>
+            <p:ph type="title"/>
+          </p:nvPr>
+        </p:nvSpPr>
+        <p:spPr>
+          <a:xfrm>
+            <a:off x="0" y="285728"/>
+            <a:ext cx="9144000" cy="1368412"/>
+          </a:xfrm>
+        </p:spPr>
+        <p:txBody>
+          <a:bodyPr>
+            <a:normAutofit fontScale="90000"/>
+          </a:bodyPr>
+          <a:lstStyle/>
+          <a:p>
+            <a:r>
+              <a:rPr lang="ru-RU" b="1" dirty="0" smtClean="0">
+                <a:solidFill>
+                  <a:schemeClr val="tx2"/>
+                </a:solidFill>
+              </a:rPr>
+              <a:t>Последовательность  решаемых задач</a:t>
+            </a:r>
+            <a:endParaRPr lang="ru-RU" b="1" dirty="0">
+              <a:solidFill>
+                <a:schemeClr val="tx2"/>
+              </a:solidFill>
+            </a:endParaRPr>
+          </a:p>
+        </p:txBody>
+      </p:sp>
+    </p:spTree>
+  </p:cSld>
+  <p:clrMapOvr>
+    <a:masterClrMapping/>
+  </p:clrMapOvr>
+  <p:timing>
+    <p:tnLst>
+      <p:par>
+        <p:cTn id="1" dur="indefinite" restart="never" nodeType="tmRoot"/>
+      </p:par>
+    </p:tnLst>
+  </p:timing>
+</p:sld>
+</file>
+
+<file path=ppt/slides/slide11.xml><?xml version="1.0" encoding="utf-8"?>
+<p:sld xmlns:a="http://schemas.openxmlformats.org/drawingml/2006/main" xmlns:r="http://schemas.openxmlformats.org/officeDocument/2006/relationships" xmlns:p="http://schemas.openxmlformats.org/presentationml/2006/main">
+  <p:cSld>
+    <p:spTree>
+      <p:nvGrpSpPr>
+        <p:cNvPr id="1" name=""/>
+        <p:cNvGrpSpPr/>
+        <p:nvPr/>
+      </p:nvGrpSpPr>
+      <p:grpSpPr>
+        <a:xfrm>
+          <a:off x="0" y="0"/>
+          <a:ext cx="0" cy="0"/>
+          <a:chOff x="0" y="0"/>
+          <a:chExt cx="0" cy="0"/>
+        </a:xfrm>
+      </p:grpSpPr>
+      <p:sp>
+        <p:nvSpPr>
+          <p:cNvPr id="6" name="TextBox 5"/>
+          <p:cNvSpPr txBox="1"/>
+          <p:nvPr/>
+        </p:nvSpPr>
+        <p:spPr>
+          <a:xfrm>
+            <a:off x="500034" y="1643050"/>
+            <a:ext cx="8215370" cy="523220"/>
+          </a:xfrm>
+          <a:prstGeom prst="rect">
+            <a:avLst/>
+          </a:prstGeom>
+          <a:noFill/>
+        </p:spPr>
+        <p:txBody>
+          <a:bodyPr wrap="square" rtlCol="0">
+            <a:spAutoFit/>
+          </a:bodyPr>
+          <a:lstStyle/>
+          <a:p>
+            <a:r>
+              <a:rPr lang="en-US" sz="2800" dirty="0" smtClean="0">
+                <a:solidFill>
+                  <a:schemeClr val="tx2"/>
+                </a:solidFill>
+              </a:rPr>
+              <a:t>III. </a:t>
+            </a:r>
+            <a:r>
+              <a:rPr lang="ru-RU" sz="2800" dirty="0" smtClean="0">
+                <a:solidFill>
+                  <a:schemeClr val="tx2"/>
+                </a:solidFill>
+              </a:rPr>
+              <a:t>Определение лица</a:t>
+            </a:r>
+            <a:endParaRPr lang="ru-RU" sz="2800" dirty="0">
+              <a:solidFill>
+                <a:schemeClr val="tx2"/>
+              </a:solidFill>
+            </a:endParaRPr>
+          </a:p>
+        </p:txBody>
+      </p:sp>
+      <p:pic>
+        <p:nvPicPr>
+          <p:cNvPr id="4098" name="Picture 2" descr="C:\Users\agish_000\Documents\Учебная\Защита иформации\Проект\fig8.jpg"/>
+          <p:cNvPicPr>
+            <a:picLocks noChangeAspect="1" noChangeArrowheads="1"/>
+          </p:cNvPicPr>
+          <p:nvPr/>
+        </p:nvPicPr>
+        <p:blipFill>
+          <a:blip r:embed="rId2"/>
+          <a:srcRect l="18092" t="21635" r="16118"/>
+          <a:stretch>
+            <a:fillRect/>
+          </a:stretch>
+        </p:blipFill>
+        <p:spPr bwMode="auto">
+          <a:xfrm>
+            <a:off x="1000100" y="2500306"/>
+            <a:ext cx="2714644" cy="2458239"/>
+          </a:xfrm>
+          <a:prstGeom prst="rect">
+            <a:avLst/>
+          </a:prstGeom>
+          <a:noFill/>
+        </p:spPr>
+      </p:pic>
+      <p:pic>
+        <p:nvPicPr>
+          <p:cNvPr id="4099" name="Picture 3" descr="C:\Users\agish_000\Documents\Учебная\Защита иформации\Проект\fig9.jpg"/>
+          <p:cNvPicPr>
+            <a:picLocks noChangeAspect="1" noChangeArrowheads="1"/>
+          </p:cNvPicPr>
+          <p:nvPr/>
+        </p:nvPicPr>
+        <p:blipFill>
+          <a:blip r:embed="rId3"/>
+          <a:srcRect l="25862" t="25472" r="15948" b="4480"/>
+          <a:stretch>
+            <a:fillRect/>
+          </a:stretch>
+        </p:blipFill>
+        <p:spPr bwMode="auto">
+          <a:xfrm>
+            <a:off x="5500694" y="2500306"/>
+            <a:ext cx="2571768" cy="2357454"/>
+          </a:xfrm>
+          <a:prstGeom prst="rect">
+            <a:avLst/>
+          </a:prstGeom>
+          <a:noFill/>
+        </p:spPr>
+      </p:pic>
+      <p:sp>
+        <p:nvSpPr>
+          <p:cNvPr id="8" name="TextBox 7"/>
+          <p:cNvSpPr txBox="1"/>
+          <p:nvPr/>
+        </p:nvSpPr>
+        <p:spPr>
+          <a:xfrm>
+            <a:off x="3214678" y="5072074"/>
+            <a:ext cx="3241593" cy="461665"/>
+          </a:xfrm>
+          <a:prstGeom prst="rect">
+            <a:avLst/>
+          </a:prstGeom>
+          <a:noFill/>
+        </p:spPr>
+        <p:txBody>
+          <a:bodyPr wrap="none" rtlCol="0">
+            <a:spAutoFit/>
+          </a:bodyPr>
+          <a:lstStyle/>
+          <a:p>
+            <a:r>
+              <a:rPr lang="ru-RU" sz="2400" dirty="0" smtClean="0">
+                <a:solidFill>
+                  <a:schemeClr val="tx2"/>
+                </a:solidFill>
+              </a:rPr>
+              <a:t>Распознавание эмоций</a:t>
+            </a:r>
+            <a:endParaRPr lang="ru-RU" sz="2400" dirty="0">
+              <a:solidFill>
+                <a:schemeClr val="tx2"/>
+              </a:solidFill>
+            </a:endParaRPr>
+          </a:p>
+        </p:txBody>
+      </p:sp>
+      <p:sp>
+        <p:nvSpPr>
+          <p:cNvPr id="10" name="Заголовок 1"/>
+          <p:cNvSpPr>
+            <a:spLocks noGrp="1"/>
+          </p:cNvSpPr>
+          <p:nvPr>
+            <p:ph type="title"/>
+          </p:nvPr>
+        </p:nvSpPr>
+        <p:spPr>
+          <a:xfrm>
+            <a:off x="0" y="285728"/>
+            <a:ext cx="9144000" cy="1368412"/>
+          </a:xfrm>
+        </p:spPr>
+        <p:txBody>
+          <a:bodyPr>
+            <a:normAutofit fontScale="90000"/>
+          </a:bodyPr>
+          <a:lstStyle/>
+          <a:p>
+            <a:r>
+              <a:rPr lang="ru-RU" b="1" dirty="0" smtClean="0">
+                <a:solidFill>
+                  <a:schemeClr val="tx2"/>
+                </a:solidFill>
+              </a:rPr>
+              <a:t>Последовательность  решаемых задач</a:t>
+            </a:r>
+            <a:endParaRPr lang="ru-RU" b="1" dirty="0">
+              <a:solidFill>
+                <a:schemeClr val="tx2"/>
+              </a:solidFill>
+            </a:endParaRPr>
+          </a:p>
+        </p:txBody>
+      </p:sp>
+    </p:spTree>
+  </p:cSld>
+  <p:clrMapOvr>
+    <a:masterClrMapping/>
+  </p:clrMapOvr>
+  <p:timing>
+    <p:tnLst>
+      <p:par>
+        <p:cTn id="1" dur="indefinite" restart="never" nodeType="tmRoot"/>
+      </p:par>
+    </p:tnLst>
+  </p:timing>
+</p:sld>
+</file>
+
+<file path=ppt/slides/slide12.xml><?xml version="1.0" encoding="utf-8"?>
+<p:sld xmlns:a="http://schemas.openxmlformats.org/drawingml/2006/main" xmlns:r="http://schemas.openxmlformats.org/officeDocument/2006/relationships" xmlns:p="http://schemas.openxmlformats.org/presentationml/2006/main">
+  <p:cSld>
+    <p:spTree>
+      <p:nvGrpSpPr>
+        <p:cNvPr id="1" name=""/>
+        <p:cNvGrpSpPr/>
+        <p:nvPr/>
+      </p:nvGrpSpPr>
+      <p:grpSpPr>
+        <a:xfrm>
+          <a:off x="0" y="0"/>
+          <a:ext cx="0" cy="0"/>
+          <a:chOff x="0" y="0"/>
+          <a:chExt cx="0" cy="0"/>
+        </a:xfrm>
+      </p:grpSpPr>
+      <p:sp>
+        <p:nvSpPr>
+          <p:cNvPr id="2" name="Заголовок 1"/>
+          <p:cNvSpPr>
+            <a:spLocks noGrp="1"/>
+          </p:cNvSpPr>
+          <p:nvPr>
+            <p:ph type="title"/>
+          </p:nvPr>
+        </p:nvSpPr>
+        <p:spPr/>
+        <p:txBody>
+          <a:bodyPr/>
+          <a:lstStyle/>
+          <a:p>
+            <a:r>
+              <a:rPr lang="ru-RU" b="1" dirty="0" smtClean="0">
+                <a:solidFill>
+                  <a:schemeClr val="tx2"/>
+                </a:solidFill>
+              </a:rPr>
+              <a:t>Результаты и выводы</a:t>
+            </a:r>
+            <a:endParaRPr lang="ru-RU" b="1" dirty="0">
+              <a:solidFill>
+                <a:schemeClr val="tx2"/>
+              </a:solidFill>
+            </a:endParaRPr>
+          </a:p>
+        </p:txBody>
+      </p:sp>
+      <p:pic>
+        <p:nvPicPr>
+          <p:cNvPr id="5122" name="Picture 2" descr="C:\Users\agish_000\Documents\Учебная\Защита иформации\Проект\fig10.jpg"/>
+          <p:cNvPicPr>
+            <a:picLocks noChangeAspect="1" noChangeArrowheads="1"/>
+          </p:cNvPicPr>
+          <p:nvPr/>
+        </p:nvPicPr>
+        <p:blipFill>
+          <a:blip r:embed="rId2"/>
+          <a:srcRect/>
+          <a:stretch>
+            <a:fillRect/>
+          </a:stretch>
+        </p:blipFill>
+        <p:spPr bwMode="auto">
+          <a:xfrm>
+            <a:off x="1357290" y="1142984"/>
+            <a:ext cx="6489700" cy="5067300"/>
+          </a:xfrm>
+          <a:prstGeom prst="rect">
+            <a:avLst/>
+          </a:prstGeom>
+          <a:noFill/>
+        </p:spPr>
+      </p:pic>
+      <p:sp>
+        <p:nvSpPr>
+          <p:cNvPr id="5" name="TextBox 4"/>
+          <p:cNvSpPr txBox="1"/>
+          <p:nvPr/>
+        </p:nvSpPr>
+        <p:spPr>
+          <a:xfrm>
+            <a:off x="714348" y="6143644"/>
+            <a:ext cx="7904408" cy="400110"/>
+          </a:xfrm>
+          <a:prstGeom prst="rect">
+            <a:avLst/>
+          </a:prstGeom>
+          <a:noFill/>
+        </p:spPr>
+        <p:txBody>
+          <a:bodyPr wrap="none" rtlCol="0">
+            <a:spAutoFit/>
+          </a:bodyPr>
+          <a:lstStyle/>
+          <a:p>
+            <a:r>
+              <a:rPr lang="ru-RU" sz="2000" dirty="0" smtClean="0"/>
+              <a:t>Распределение эмоциональных фотографий на плоскости параметров</a:t>
+            </a:r>
+            <a:endParaRPr lang="ru-RU" sz="2000" dirty="0"/>
+          </a:p>
+        </p:txBody>
+      </p:sp>
+    </p:spTree>
+  </p:cSld>
+  <p:clrMapOvr>
+    <a:masterClrMapping/>
+  </p:clrMapOvr>
+  <p:timing>
+    <p:tnLst>
+      <p:par>
+        <p:cTn id="1" dur="indefinite" restart="never" nodeType="tmRoot"/>
+      </p:par>
+    </p:tnLst>
+  </p:timing>
+</p:sld>
+</file>
+
+<file path=ppt/slides/slide13.xml><?xml version="1.0" encoding="utf-8"?>
 <p:sld xmlns:a="http://schemas.openxmlformats.org/drawingml/2006/main" xmlns:r="http://schemas.openxmlformats.org/officeDocument/2006/relationships" xmlns:p="http://schemas.openxmlformats.org/presentationml/2006/main">
   <p:cSld>
     <p:bg>
@@ -3308,8 +4508,8 @@
         </p:blipFill>
         <p:spPr bwMode="auto">
           <a:xfrm>
-            <a:off x="1996440" y="0"/>
-            <a:ext cx="5151120" cy="6858000"/>
+            <a:off x="2571736" y="1336585"/>
+            <a:ext cx="4147196" cy="5521415"/>
           </a:xfrm>
           <a:prstGeom prst="rect">
             <a:avLst/>
@@ -3317,11 +4517,54 @@
           <a:noFill/>
         </p:spPr>
       </p:pic>
+      <p:sp>
+        <p:nvSpPr>
+          <p:cNvPr id="5" name="Заголовок 1"/>
+          <p:cNvSpPr>
+            <a:spLocks noGrp="1"/>
+          </p:cNvSpPr>
+          <p:nvPr>
+            <p:ph type="title"/>
+          </p:nvPr>
+        </p:nvSpPr>
+        <p:spPr>
+          <a:xfrm>
+            <a:off x="457200" y="274638"/>
+            <a:ext cx="8229600" cy="1143000"/>
+          </a:xfrm>
+        </p:spPr>
+        <p:txBody>
+          <a:bodyPr/>
+          <a:lstStyle/>
+          <a:p>
+            <a:r>
+              <a:rPr lang="ru-RU" b="1" dirty="0" smtClean="0">
+                <a:solidFill>
+                  <a:schemeClr val="bg1"/>
+                </a:solidFill>
+              </a:rPr>
+              <a:t>Спасибо за внимание</a:t>
+            </a:r>
+            <a:endParaRPr lang="ru-RU" b="1" dirty="0">
+              <a:solidFill>
+                <a:schemeClr val="bg1"/>
+              </a:solidFill>
+            </a:endParaRPr>
+          </a:p>
+        </p:txBody>
+      </p:sp>
     </p:spTree>
   </p:cSld>
   <p:clrMapOvr>
     <a:masterClrMapping/>
   </p:clrMapOvr>
+  <p:timing>
+    <p:tnLst>
+      <p:par>
+        <p:cTn id="1" dur="indefinite" restart="never" nodeType="tmRoot"/>
+      </p:par>
+    </p:tnLst>
+  </p:timing>
 </p:sld>
 </file>
 
@@ -3411,7 +4654,7 @@
         </p:spPr>
         <p:txBody>
           <a:bodyPr>
-            <a:normAutofit/>
+            <a:normAutofit lnSpcReduction="10000"/>
           </a:bodyPr>
           <a:lstStyle/>
           <a:p>
@@ -3467,15 +4710,7 @@
                   <a:schemeClr val="tx2"/>
                 </a:solidFill>
               </a:rPr>
-              <a:t>Распознавание повернутого </a:t>
-            </a:r>
-            <a:r>
-              <a:rPr lang="ru-RU" dirty="0" smtClean="0">
-                <a:solidFill>
-                  <a:schemeClr val="tx2"/>
-                </a:solidFill>
-              </a:rPr>
-              <a:t>лица</a:t>
+              <a:t>Распознавание повернутого лица</a:t>
             </a:r>
           </a:p>
           <a:p>
@@ -3489,15 +4724,7 @@
                   <a:schemeClr val="tx2"/>
                 </a:solidFill>
               </a:rPr>
-              <a:t>Определение </a:t>
-            </a:r>
-            <a:r>
-              <a:rPr lang="ru-RU" dirty="0" smtClean="0">
-                <a:solidFill>
-                  <a:schemeClr val="tx2"/>
-                </a:solidFill>
-              </a:rPr>
-              <a:t>лица</a:t>
+              <a:t>Определение человека по лицу</a:t>
             </a:r>
           </a:p>
           <a:p>
@@ -3513,11 +4740,6 @@
               </a:rPr>
               <a:t>Результаты и выводы</a:t>
             </a:r>
-            <a:endParaRPr lang="ru-RU" dirty="0" smtClean="0">
-              <a:solidFill>
-                <a:schemeClr val="tx2"/>
-              </a:solidFill>
-            </a:endParaRPr>
           </a:p>
         </p:txBody>
       </p:sp>
@@ -3526,6 +4748,13 @@
   <p:clrMapOvr>
     <a:masterClrMapping/>
   </p:clrMapOvr>
+  <p:timing>
+    <p:tnLst>
+      <p:par>
+        <p:cTn id="1" dur="indefinite" restart="never" nodeType="tmRoot"/>
+      </p:par>
+    </p:tnLst>
+  </p:timing>
 </p:sld>
 </file>
 
@@ -3540,7 +4769,7 @@
           </a:blip>
           <a:srcRect/>
           <a:stretch>
-            <a:fillRect/>
+            <a:fillRect l="-4000" r="-4000"/>
           </a:stretch>
         </a:blipFill>
         <a:effectLst/>
@@ -3719,6 +4948,1119 @@
   <p:cSld>
     <p:bg>
       <p:bgPr>
+        <a:blipFill dpi="0" rotWithShape="1">
+          <a:blip r:embed="rId2">
+            <a:lum/>
+          </a:blip>
+          <a:srcRect/>
+          <a:stretch>
+            <a:fillRect t="-21000" b="-21000"/>
+          </a:stretch>
+        </a:blipFill>
+        <a:effectLst/>
+      </p:bgPr>
+    </p:bg>
+    <p:spTree>
+      <p:nvGrpSpPr>
+        <p:cNvPr id="1" name=""/>
+        <p:cNvGrpSpPr/>
+        <p:nvPr/>
+      </p:nvGrpSpPr>
+      <p:grpSpPr>
+        <a:xfrm>
+          <a:off x="0" y="0"/>
+          <a:ext cx="0" cy="0"/>
+          <a:chOff x="0" y="0"/>
+          <a:chExt cx="0" cy="0"/>
+        </a:xfrm>
+      </p:grpSpPr>
+      <p:sp>
+        <p:nvSpPr>
+          <p:cNvPr id="2" name="Заголовок 1"/>
+          <p:cNvSpPr>
+            <a:spLocks noGrp="1"/>
+          </p:cNvSpPr>
+          <p:nvPr>
+            <p:ph type="title"/>
+          </p:nvPr>
+        </p:nvSpPr>
+        <p:spPr>
+          <a:xfrm>
+            <a:off x="0" y="274638"/>
+            <a:ext cx="9144000" cy="1143000"/>
+          </a:xfrm>
+          <a:solidFill>
+            <a:schemeClr val="bg1">
+              <a:alpha val="90000"/>
+            </a:schemeClr>
+          </a:solidFill>
+        </p:spPr>
+        <p:txBody>
+          <a:bodyPr/>
+          <a:lstStyle/>
+          <a:p>
+            <a:r>
+              <a:rPr lang="ru-RU" b="1" dirty="0" smtClean="0">
+                <a:solidFill>
+                  <a:schemeClr val="tx2"/>
+                </a:solidFill>
+              </a:rPr>
+              <a:t>Распознавание лиц</a:t>
+            </a:r>
+            <a:endParaRPr lang="ru-RU" b="1" dirty="0">
+              <a:solidFill>
+                <a:schemeClr val="tx2"/>
+              </a:solidFill>
+            </a:endParaRPr>
+          </a:p>
+        </p:txBody>
+      </p:sp>
+      <p:sp>
+        <p:nvSpPr>
+          <p:cNvPr id="3" name="Прямоугольник 2"/>
+          <p:cNvSpPr/>
+          <p:nvPr/>
+        </p:nvSpPr>
+        <p:spPr>
+          <a:xfrm>
+            <a:off x="214282" y="2928934"/>
+            <a:ext cx="3315331" cy="923330"/>
+          </a:xfrm>
+          <a:prstGeom prst="rect">
+            <a:avLst/>
+          </a:prstGeom>
+          <a:noFill/>
+        </p:spPr>
+        <p:txBody>
+          <a:bodyPr wrap="none" lIns="91440" tIns="45720" rIns="91440" bIns="45720">
+            <a:spAutoFit/>
+          </a:bodyPr>
+          <a:lstStyle/>
+          <a:p>
+            <a:pPr algn="ctr"/>
+            <a:r>
+              <a:rPr lang="en-US" sz="5400" b="0" cap="none" spc="0" dirty="0" smtClean="0">
+                <a:ln w="18415" cmpd="sng">
+                  <a:solidFill>
+                    <a:srgbClr val="FFFFFF"/>
+                  </a:solidFill>
+                  <a:prstDash val="solid"/>
+                </a:ln>
+                <a:solidFill>
+                  <a:srgbClr val="FFFFFF"/>
+                </a:solidFill>
+                <a:effectLst>
+                  <a:outerShdw blurRad="63500" dir="3600000" algn="tl" rotWithShape="0">
+                    <a:srgbClr val="000000">
+                      <a:alpha val="70000"/>
+                    </a:srgbClr>
+                  </a:outerShdw>
+                </a:effectLst>
+              </a:rPr>
+              <a:t>Viola </a:t>
+            </a:r>
+            <a:r>
+              <a:rPr lang="en-US" sz="5400" dirty="0" smtClean="0">
+                <a:ln w="18415" cmpd="sng">
+                  <a:solidFill>
+                    <a:srgbClr val="FFFFFF"/>
+                  </a:solidFill>
+                  <a:prstDash val="solid"/>
+                </a:ln>
+                <a:solidFill>
+                  <a:srgbClr val="FFFFFF"/>
+                </a:solidFill>
+                <a:effectLst>
+                  <a:outerShdw blurRad="63500" dir="3600000" algn="tl" rotWithShape="0">
+                    <a:srgbClr val="000000">
+                      <a:alpha val="70000"/>
+                    </a:srgbClr>
+                  </a:outerShdw>
+                </a:effectLst>
+              </a:rPr>
+              <a:t>J</a:t>
+            </a:r>
+            <a:r>
+              <a:rPr lang="en-US" sz="5400" b="0" cap="none" spc="0" dirty="0" smtClean="0">
+                <a:ln w="18415" cmpd="sng">
+                  <a:solidFill>
+                    <a:srgbClr val="FFFFFF"/>
+                  </a:solidFill>
+                  <a:prstDash val="solid"/>
+                </a:ln>
+                <a:solidFill>
+                  <a:srgbClr val="FFFFFF"/>
+                </a:solidFill>
+                <a:effectLst>
+                  <a:outerShdw blurRad="63500" dir="3600000" algn="tl" rotWithShape="0">
+                    <a:srgbClr val="000000">
+                      <a:alpha val="70000"/>
+                    </a:srgbClr>
+                  </a:outerShdw>
+                </a:effectLst>
+              </a:rPr>
+              <a:t>ones</a:t>
+            </a:r>
+            <a:endParaRPr lang="ru-RU" sz="5400" b="0" cap="none" spc="0" dirty="0">
+              <a:ln w="18415" cmpd="sng">
+                <a:solidFill>
+                  <a:srgbClr val="FFFFFF"/>
+                </a:solidFill>
+                <a:prstDash val="solid"/>
+              </a:ln>
+              <a:solidFill>
+                <a:srgbClr val="FFFFFF"/>
+              </a:solidFill>
+              <a:effectLst>
+                <a:outerShdw blurRad="63500" dir="3600000" algn="tl" rotWithShape="0">
+                  <a:srgbClr val="000000">
+                    <a:alpha val="70000"/>
+                  </a:srgbClr>
+                </a:outerShdw>
+              </a:effectLst>
+            </a:endParaRPr>
+          </a:p>
+        </p:txBody>
+      </p:sp>
+      <p:sp>
+        <p:nvSpPr>
+          <p:cNvPr id="4" name="TextBox 3"/>
+          <p:cNvSpPr txBox="1"/>
+          <p:nvPr/>
+        </p:nvSpPr>
+        <p:spPr>
+          <a:xfrm>
+            <a:off x="357158" y="4071942"/>
+            <a:ext cx="2857520" cy="1200329"/>
+          </a:xfrm>
+          <a:prstGeom prst="rect">
+            <a:avLst/>
+          </a:prstGeom>
+          <a:noFill/>
+        </p:spPr>
+        <p:txBody>
+          <a:bodyPr wrap="square" rtlCol="0">
+            <a:spAutoFit/>
+          </a:bodyPr>
+          <a:lstStyle/>
+          <a:p>
+            <a:r>
+              <a:rPr lang="ru-RU" sz="2400" dirty="0" smtClean="0">
+                <a:solidFill>
+                  <a:schemeClr val="bg1"/>
+                </a:solidFill>
+              </a:rPr>
+              <a:t>Алгоритм поиска лиц на изображении</a:t>
+            </a:r>
+            <a:endParaRPr lang="ru-RU" sz="2400" dirty="0">
+              <a:solidFill>
+                <a:schemeClr val="bg1"/>
+              </a:solidFill>
+            </a:endParaRPr>
+          </a:p>
+        </p:txBody>
+      </p:sp>
+      <p:pic>
+        <p:nvPicPr>
+          <p:cNvPr id="15362" name="Picture 2" descr="http://stat8.blog.ru/lr/0d2e3f397908af87af40d0884e148111"/>
+          <p:cNvPicPr>
+            <a:picLocks noChangeAspect="1" noChangeArrowheads="1"/>
+          </p:cNvPicPr>
+          <p:nvPr/>
+        </p:nvPicPr>
+        <p:blipFill>
+          <a:blip r:embed="rId3"/>
+          <a:srcRect/>
+          <a:stretch>
+            <a:fillRect/>
+          </a:stretch>
+        </p:blipFill>
+        <p:spPr bwMode="auto">
+          <a:xfrm>
+            <a:off x="7358082" y="2571744"/>
+            <a:ext cx="1428750" cy="1428750"/>
+          </a:xfrm>
+          <a:prstGeom prst="rect">
+            <a:avLst/>
+          </a:prstGeom>
+          <a:noFill/>
+        </p:spPr>
+      </p:pic>
+      <p:sp>
+        <p:nvSpPr>
+          <p:cNvPr id="8" name="TextBox 7"/>
+          <p:cNvSpPr txBox="1"/>
+          <p:nvPr/>
+        </p:nvSpPr>
+        <p:spPr>
+          <a:xfrm>
+            <a:off x="5857884" y="4214818"/>
+            <a:ext cx="3071834" cy="1569660"/>
+          </a:xfrm>
+          <a:prstGeom prst="rect">
+            <a:avLst/>
+          </a:prstGeom>
+          <a:noFill/>
+        </p:spPr>
+        <p:txBody>
+          <a:bodyPr wrap="square" rtlCol="0">
+            <a:spAutoFit/>
+          </a:bodyPr>
+          <a:lstStyle/>
+          <a:p>
+            <a:pPr algn="r"/>
+            <a:r>
+              <a:rPr lang="ru-RU" sz="2400" dirty="0" smtClean="0">
+                <a:solidFill>
+                  <a:schemeClr val="bg1"/>
+                </a:solidFill>
+              </a:rPr>
+              <a:t>Библиотека алгоритмов обработки изображений</a:t>
+            </a:r>
+            <a:endParaRPr lang="ru-RU" sz="2400" dirty="0">
+              <a:solidFill>
+                <a:schemeClr val="bg1"/>
+              </a:solidFill>
+            </a:endParaRPr>
+          </a:p>
+        </p:txBody>
+      </p:sp>
+    </p:spTree>
+  </p:cSld>
+  <p:clrMapOvr>
+    <a:masterClrMapping/>
+  </p:clrMapOvr>
+  <p:timing>
+    <p:tnLst>
+      <p:par>
+        <p:cTn id="1" dur="indefinite" restart="never" nodeType="tmRoot"/>
+      </p:par>
+    </p:tnLst>
+  </p:timing>
+</p:sld>
+</file>
+
+<file path=ppt/slides/slide5.xml><?xml version="1.0" encoding="utf-8"?>
+<p:sld xmlns:a="http://schemas.openxmlformats.org/drawingml/2006/main" xmlns:r="http://schemas.openxmlformats.org/officeDocument/2006/relationships" xmlns:p="http://schemas.openxmlformats.org/presentationml/2006/main">
+  <p:cSld>
+    <p:spTree>
+      <p:nvGrpSpPr>
+        <p:cNvPr id="1" name=""/>
+        <p:cNvGrpSpPr/>
+        <p:nvPr/>
+      </p:nvGrpSpPr>
+      <p:grpSpPr>
+        <a:xfrm>
+          <a:off x="0" y="0"/>
+          <a:ext cx="0" cy="0"/>
+          <a:chOff x="0" y="0"/>
+          <a:chExt cx="0" cy="0"/>
+        </a:xfrm>
+      </p:grpSpPr>
+      <p:sp>
+        <p:nvSpPr>
+          <p:cNvPr id="2" name="Rectangle 1"/>
+          <p:cNvSpPr>
+            <a:spLocks noGrp="1"/>
+          </p:cNvSpPr>
+          <p:nvPr>
+            <p:ph type="title"/>
+          </p:nvPr>
+        </p:nvSpPr>
+        <p:spPr>
+          <a:xfrm>
+            <a:off x="0" y="157480"/>
+            <a:ext cx="9144000" cy="1341120"/>
+          </a:xfrm>
+          <a:solidFill>
+            <a:schemeClr val="tx2">
+              <a:lumMod val="60000"/>
+              <a:lumOff val="40000"/>
+              <a:alpha val="79000"/>
+            </a:schemeClr>
+          </a:solidFill>
+        </p:spPr>
+        <p:txBody>
+          <a:bodyPr>
+            <a:normAutofit/>
+          </a:bodyPr>
+          <a:lstStyle>
+            <a:extLst/>
+          </a:lstStyle>
+          <a:p>
+            <a:pPr marL="0" indent="0" algn="ctr"/>
+            <a:r>
+              <a:rPr lang="en-US" sz="4000" dirty="0" smtClean="0">
+                <a:latin typeface="Times New Roman" pitchFamily="18" charset="0"/>
+                <a:cs typeface="Times New Roman" pitchFamily="18" charset="0"/>
+              </a:rPr>
+              <a:t>Viola Jones face detection </a:t>
+            </a:r>
+            <a:r>
+              <a:rPr lang="en-US" sz="4000" dirty="0" smtClean="0">
+                <a:latin typeface="Times New Roman" pitchFamily="18" charset="0"/>
+                <a:cs typeface="Times New Roman" pitchFamily="18" charset="0"/>
+              </a:rPr>
+              <a:t>algorithm</a:t>
+            </a:r>
+            <a:endParaRPr lang="en-US" sz="2800" dirty="0">
+              <a:latin typeface="Times New Roman" pitchFamily="18" charset="0"/>
+              <a:cs typeface="Times New Roman" pitchFamily="18" charset="0"/>
+            </a:endParaRPr>
+          </a:p>
+        </p:txBody>
+      </p:sp>
+      <p:sp>
+        <p:nvSpPr>
+          <p:cNvPr id="4" name="Content Placeholder 3"/>
+          <p:cNvSpPr>
+            <a:spLocks noGrp="1"/>
+          </p:cNvSpPr>
+          <p:nvPr>
+            <p:ph sz="quarter" idx="13"/>
+          </p:nvPr>
+        </p:nvSpPr>
+        <p:spPr/>
+        <p:txBody>
+          <a:bodyPr>
+            <a:normAutofit/>
+          </a:bodyPr>
+          <a:lstStyle/>
+          <a:p>
+            <a:pPr marL="0" indent="0">
+              <a:buNone/>
+            </a:pPr>
+            <a:r>
+              <a:rPr lang="en-US" sz="2800" dirty="0" smtClean="0">
+                <a:solidFill>
+                  <a:schemeClr val="bg2">
+                    <a:lumMod val="10000"/>
+                  </a:schemeClr>
+                </a:solidFill>
+                <a:latin typeface="Times New Roman" pitchFamily="18" charset="0"/>
+                <a:cs typeface="Times New Roman" pitchFamily="18" charset="0"/>
+              </a:rPr>
+              <a:t>Basic introduction to edge detection</a:t>
+            </a:r>
+          </a:p>
+          <a:p>
+            <a:pPr marL="0" indent="0">
+              <a:buNone/>
+            </a:pPr>
+            <a:endParaRPr lang="en-US" sz="2800" dirty="0" smtClean="0">
+              <a:solidFill>
+                <a:schemeClr val="bg2">
+                  <a:lumMod val="10000"/>
+                </a:schemeClr>
+              </a:solidFill>
+              <a:latin typeface="Times New Roman" pitchFamily="18" charset="0"/>
+              <a:cs typeface="Times New Roman" pitchFamily="18" charset="0"/>
+            </a:endParaRPr>
+          </a:p>
+          <a:p>
+            <a:pPr marL="0" indent="0">
+              <a:buNone/>
+            </a:pPr>
+            <a:r>
+              <a:rPr lang="en-US" sz="2800" dirty="0" smtClean="0">
+                <a:solidFill>
+                  <a:schemeClr val="bg2">
+                    <a:lumMod val="10000"/>
+                  </a:schemeClr>
+                </a:solidFill>
+                <a:latin typeface="Times New Roman" pitchFamily="18" charset="0"/>
+                <a:cs typeface="Times New Roman" pitchFamily="18" charset="0"/>
+              </a:rPr>
+              <a:t>                               </a:t>
+            </a:r>
+          </a:p>
+          <a:p>
+            <a:pPr marL="0" indent="0">
+              <a:buNone/>
+            </a:pPr>
+            <a:r>
+              <a:rPr lang="en-US" sz="2800" dirty="0">
+                <a:solidFill>
+                  <a:schemeClr val="bg2">
+                    <a:lumMod val="10000"/>
+                  </a:schemeClr>
+                </a:solidFill>
+                <a:latin typeface="Times New Roman" pitchFamily="18" charset="0"/>
+                <a:cs typeface="Times New Roman" pitchFamily="18" charset="0"/>
+              </a:rPr>
+              <a:t> </a:t>
+            </a:r>
+            <a:r>
+              <a:rPr lang="en-US" sz="2800" dirty="0" smtClean="0">
+                <a:solidFill>
+                  <a:schemeClr val="bg2">
+                    <a:lumMod val="10000"/>
+                  </a:schemeClr>
+                </a:solidFill>
+                <a:latin typeface="Times New Roman" pitchFamily="18" charset="0"/>
+                <a:cs typeface="Times New Roman" pitchFamily="18" charset="0"/>
+              </a:rPr>
+              <a:t>                              </a:t>
+            </a:r>
+            <a:r>
+              <a:rPr lang="en-US" sz="2800" dirty="0" smtClean="0">
+                <a:solidFill>
+                  <a:schemeClr val="bg2">
+                    <a:lumMod val="10000"/>
+                  </a:schemeClr>
+                </a:solidFill>
+                <a:latin typeface="Times New Roman" pitchFamily="18" charset="0"/>
+                <a:cs typeface="Times New Roman" pitchFamily="18" charset="0"/>
+              </a:rPr>
+              <a:t> </a:t>
+            </a:r>
+          </a:p>
+          <a:p>
+            <a:pPr marL="0" indent="0" algn="ctr">
+              <a:buNone/>
+            </a:pPr>
+            <a:r>
+              <a:rPr lang="en-US" sz="2000" dirty="0" smtClean="0">
+                <a:solidFill>
+                  <a:schemeClr val="bg2">
+                    <a:lumMod val="10000"/>
+                  </a:schemeClr>
+                </a:solidFill>
+                <a:latin typeface="Times New Roman" pitchFamily="18" charset="0"/>
+                <a:cs typeface="Times New Roman" pitchFamily="18" charset="0"/>
+              </a:rPr>
+              <a:t>Convolution </a:t>
+            </a:r>
+            <a:r>
+              <a:rPr lang="en-US" sz="2000" dirty="0" smtClean="0">
+                <a:solidFill>
+                  <a:schemeClr val="bg2">
+                    <a:lumMod val="10000"/>
+                  </a:schemeClr>
+                </a:solidFill>
+                <a:latin typeface="Times New Roman" pitchFamily="18" charset="0"/>
+                <a:cs typeface="Times New Roman" pitchFamily="18" charset="0"/>
+              </a:rPr>
+              <a:t>Kernel</a:t>
+            </a:r>
+          </a:p>
+          <a:p>
+            <a:pPr marL="0" indent="0">
+              <a:buNone/>
+            </a:pPr>
+            <a:endParaRPr lang="en-US" sz="1800" dirty="0" smtClean="0">
+              <a:solidFill>
+                <a:schemeClr val="bg2">
+                  <a:lumMod val="10000"/>
+                </a:schemeClr>
+              </a:solidFill>
+              <a:latin typeface="Times New Roman" pitchFamily="18" charset="0"/>
+              <a:cs typeface="Times New Roman" pitchFamily="18" charset="0"/>
+            </a:endParaRPr>
+          </a:p>
+          <a:p>
+            <a:pPr marL="0" indent="0">
+              <a:buNone/>
+            </a:pPr>
+            <a:endParaRPr lang="en-US" sz="1800" dirty="0" smtClean="0">
+              <a:solidFill>
+                <a:schemeClr val="bg2">
+                  <a:lumMod val="10000"/>
+                </a:schemeClr>
+              </a:solidFill>
+              <a:latin typeface="Times New Roman" pitchFamily="18" charset="0"/>
+              <a:cs typeface="Times New Roman" pitchFamily="18" charset="0"/>
+            </a:endParaRPr>
+          </a:p>
+          <a:p>
+            <a:pPr marL="0" indent="0">
+              <a:buNone/>
+            </a:pPr>
+            <a:r>
+              <a:rPr lang="en-US" sz="2000" dirty="0" smtClean="0">
+                <a:solidFill>
+                  <a:schemeClr val="bg2">
+                    <a:lumMod val="10000"/>
+                  </a:schemeClr>
+                </a:solidFill>
+                <a:latin typeface="Times New Roman" pitchFamily="18" charset="0"/>
+                <a:cs typeface="Times New Roman" pitchFamily="18" charset="0"/>
+              </a:rPr>
+              <a:t>Output </a:t>
+            </a:r>
+            <a:r>
+              <a:rPr lang="en-US" sz="2000" dirty="0" smtClean="0">
+                <a:solidFill>
+                  <a:schemeClr val="bg2">
+                    <a:lumMod val="10000"/>
+                  </a:schemeClr>
+                </a:solidFill>
+                <a:latin typeface="Times New Roman" pitchFamily="18" charset="0"/>
+                <a:cs typeface="Times New Roman" pitchFamily="18" charset="0"/>
+              </a:rPr>
+              <a:t>image(right)  has  high intensity at pixels where the convolution kernel pixel pattern</a:t>
+            </a:r>
+            <a:r>
+              <a:rPr lang="en-US" sz="2000" dirty="0">
+                <a:solidFill>
+                  <a:schemeClr val="bg2">
+                    <a:lumMod val="10000"/>
+                  </a:schemeClr>
+                </a:solidFill>
+                <a:latin typeface="Times New Roman" pitchFamily="18" charset="0"/>
+                <a:cs typeface="Times New Roman" pitchFamily="18" charset="0"/>
+              </a:rPr>
+              <a:t> </a:t>
+            </a:r>
+            <a:r>
+              <a:rPr lang="en-US" sz="2000" dirty="0" smtClean="0">
+                <a:solidFill>
+                  <a:schemeClr val="bg2">
+                    <a:lumMod val="10000"/>
+                  </a:schemeClr>
+                </a:solidFill>
+                <a:latin typeface="Times New Roman" pitchFamily="18" charset="0"/>
+                <a:cs typeface="Times New Roman" pitchFamily="18" charset="0"/>
+              </a:rPr>
+              <a:t>matches perfectly with the input image.</a:t>
+            </a:r>
+            <a:endParaRPr lang="en-US" dirty="0" smtClean="0">
+              <a:solidFill>
+                <a:schemeClr val="bg2">
+                  <a:lumMod val="10000"/>
+                </a:schemeClr>
+              </a:solidFill>
+              <a:latin typeface="Times New Roman" pitchFamily="18" charset="0"/>
+              <a:cs typeface="Times New Roman" pitchFamily="18" charset="0"/>
+            </a:endParaRPr>
+          </a:p>
+        </p:txBody>
+      </p:sp>
+      <p:pic>
+        <p:nvPicPr>
+          <p:cNvPr id="1026" name="Picture 2"/>
+          <p:cNvPicPr>
+            <a:picLocks noChangeAspect="1" noChangeArrowheads="1"/>
+          </p:cNvPicPr>
+          <p:nvPr/>
+        </p:nvPicPr>
+        <p:blipFill>
+          <a:blip r:embed="rId3">
+            <a:extLst>
+              <a:ext uri="{28A0092B-C50C-407E-A947-70E740481C1C}">
+                <a14:useLocalDpi xmlns:a14="http://schemas.microsoft.com/office/drawing/2010/main" xmlns="" val="0"/>
+              </a:ext>
+            </a:extLst>
+          </a:blip>
+          <a:srcRect/>
+          <a:stretch>
+            <a:fillRect/>
+          </a:stretch>
+        </p:blipFill>
+        <p:spPr bwMode="auto">
+          <a:xfrm>
+            <a:off x="838201" y="2616201"/>
+            <a:ext cx="1523999" cy="2031999"/>
+          </a:xfrm>
+          <a:prstGeom prst="rect">
+            <a:avLst/>
+          </a:prstGeom>
+          <a:noFill/>
+          <a:ln>
+            <a:noFill/>
+          </a:ln>
+          <a:effectLst/>
+          <a:extLst>
+            <a:ext uri="{909E8E84-426E-40DD-AFC4-6F175D3DCCD1}">
+              <a14:hiddenFill xmlns:a14="http://schemas.microsoft.com/office/drawing/2010/main" xmlns="">
+                <a:solidFill>
+                  <a:schemeClr val="accent1"/>
+                </a:solidFill>
+              </a14:hiddenFill>
+            </a:ext>
+            <a:ext uri="{91240B29-F687-4F45-9708-019B960494DF}">
+              <a14:hiddenLine xmlns:a14="http://schemas.microsoft.com/office/drawing/2010/main" xmlns="" w="9525">
+                <a:solidFill>
+                  <a:schemeClr val="tx1"/>
+                </a:solidFill>
+                <a:miter lim="800000"/>
+                <a:headEnd/>
+                <a:tailEnd/>
+              </a14:hiddenLine>
+            </a:ext>
+            <a:ext uri="{AF507438-7753-43E0-B8FC-AC1667EBCBE1}">
+              <a14:hiddenEffects xmlns:a14="http://schemas.microsoft.com/office/drawing/2010/main" xmlns="">
+                <a:effectLst>
+                  <a:outerShdw dist="35921" dir="2700000" algn="ctr" rotWithShape="0">
+                    <a:schemeClr val="bg2"/>
+                  </a:outerShdw>
+                </a:effectLst>
+              </a14:hiddenEffects>
+            </a:ext>
+          </a:extLst>
+        </p:spPr>
+      </p:pic>
+      <p:pic>
+        <p:nvPicPr>
+          <p:cNvPr id="1028" name="Picture 4"/>
+          <p:cNvPicPr>
+            <a:picLocks noChangeAspect="1" noChangeArrowheads="1"/>
+          </p:cNvPicPr>
+          <p:nvPr/>
+        </p:nvPicPr>
+        <p:blipFill>
+          <a:blip r:embed="rId4">
+            <a:extLst>
+              <a:ext uri="{28A0092B-C50C-407E-A947-70E740481C1C}">
+                <a14:useLocalDpi xmlns:a14="http://schemas.microsoft.com/office/drawing/2010/main" xmlns="" val="0"/>
+              </a:ext>
+            </a:extLst>
+          </a:blip>
+          <a:srcRect/>
+          <a:stretch>
+            <a:fillRect/>
+          </a:stretch>
+        </p:blipFill>
+        <p:spPr bwMode="auto">
+          <a:xfrm>
+            <a:off x="3929058" y="2714620"/>
+            <a:ext cx="923925" cy="1181100"/>
+          </a:xfrm>
+          <a:prstGeom prst="rect">
+            <a:avLst/>
+          </a:prstGeom>
+          <a:noFill/>
+          <a:ln>
+            <a:noFill/>
+          </a:ln>
+          <a:effectLst/>
+          <a:extLst>
+            <a:ext uri="{909E8E84-426E-40DD-AFC4-6F175D3DCCD1}">
+              <a14:hiddenFill xmlns:a14="http://schemas.microsoft.com/office/drawing/2010/main" xmlns="">
+                <a:solidFill>
+                  <a:schemeClr val="accent1"/>
+                </a:solidFill>
+              </a14:hiddenFill>
+            </a:ext>
+            <a:ext uri="{91240B29-F687-4F45-9708-019B960494DF}">
+              <a14:hiddenLine xmlns:a14="http://schemas.microsoft.com/office/drawing/2010/main" xmlns="" w="9525">
+                <a:solidFill>
+                  <a:schemeClr val="tx1"/>
+                </a:solidFill>
+                <a:miter lim="800000"/>
+                <a:headEnd/>
+                <a:tailEnd/>
+              </a14:hiddenLine>
+            </a:ext>
+            <a:ext uri="{AF507438-7753-43E0-B8FC-AC1667EBCBE1}">
+              <a14:hiddenEffects xmlns:a14="http://schemas.microsoft.com/office/drawing/2010/main" xmlns="">
+                <a:effectLst>
+                  <a:outerShdw dist="35921" dir="2700000" algn="ctr" rotWithShape="0">
+                    <a:schemeClr val="bg2"/>
+                  </a:outerShdw>
+                </a:effectLst>
+              </a14:hiddenEffects>
+            </a:ext>
+          </a:extLst>
+        </p:spPr>
+      </p:pic>
+      <p:pic>
+        <p:nvPicPr>
+          <p:cNvPr id="1029" name="Picture 5"/>
+          <p:cNvPicPr>
+            <a:picLocks noChangeAspect="1" noChangeArrowheads="1"/>
+          </p:cNvPicPr>
+          <p:nvPr/>
+        </p:nvPicPr>
+        <p:blipFill>
+          <a:blip r:embed="rId5">
+            <a:extLst>
+              <a:ext uri="{28A0092B-C50C-407E-A947-70E740481C1C}">
+                <a14:useLocalDpi xmlns:a14="http://schemas.microsoft.com/office/drawing/2010/main" xmlns="" val="0"/>
+              </a:ext>
+            </a:extLst>
+          </a:blip>
+          <a:srcRect/>
+          <a:stretch>
+            <a:fillRect/>
+          </a:stretch>
+        </p:blipFill>
+        <p:spPr bwMode="auto">
+          <a:xfrm>
+            <a:off x="6553200" y="2690541"/>
+            <a:ext cx="1524000" cy="1957659"/>
+          </a:xfrm>
+          <a:prstGeom prst="rect">
+            <a:avLst/>
+          </a:prstGeom>
+          <a:noFill/>
+          <a:ln>
+            <a:noFill/>
+          </a:ln>
+          <a:effectLst/>
+          <a:extLst>
+            <a:ext uri="{909E8E84-426E-40DD-AFC4-6F175D3DCCD1}">
+              <a14:hiddenFill xmlns:a14="http://schemas.microsoft.com/office/drawing/2010/main" xmlns="">
+                <a:solidFill>
+                  <a:schemeClr val="accent1"/>
+                </a:solidFill>
+              </a14:hiddenFill>
+            </a:ext>
+            <a:ext uri="{91240B29-F687-4F45-9708-019B960494DF}">
+              <a14:hiddenLine xmlns:a14="http://schemas.microsoft.com/office/drawing/2010/main" xmlns="" w="9525">
+                <a:solidFill>
+                  <a:schemeClr val="tx1"/>
+                </a:solidFill>
+                <a:miter lim="800000"/>
+                <a:headEnd/>
+                <a:tailEnd/>
+              </a14:hiddenLine>
+            </a:ext>
+            <a:ext uri="{AF507438-7753-43E0-B8FC-AC1667EBCBE1}">
+              <a14:hiddenEffects xmlns:a14="http://schemas.microsoft.com/office/drawing/2010/main" xmlns="">
+                <a:effectLst>
+                  <a:outerShdw dist="35921" dir="2700000" algn="ctr" rotWithShape="0">
+                    <a:schemeClr val="bg2"/>
+                  </a:outerShdw>
+                </a:effectLst>
+              </a14:hiddenEffects>
+            </a:ext>
+          </a:extLst>
+        </p:spPr>
+      </p:pic>
+      <p:sp>
+        <p:nvSpPr>
+          <p:cNvPr id="7" name="Right Arrow 6"/>
+          <p:cNvSpPr/>
+          <p:nvPr/>
+        </p:nvSpPr>
+        <p:spPr>
+          <a:xfrm>
+            <a:off x="2743200" y="3215993"/>
+            <a:ext cx="533400" cy="298656"/>
+          </a:xfrm>
+          <a:prstGeom prst="rightArrow">
+            <a:avLst/>
+          </a:prstGeom>
+        </p:spPr>
+        <p:style>
+          <a:lnRef idx="2">
+            <a:schemeClr val="accent1">
+              <a:shade val="50000"/>
+            </a:schemeClr>
+          </a:lnRef>
+          <a:fillRef idx="1">
+            <a:schemeClr val="accent1"/>
+          </a:fillRef>
+          <a:effectRef idx="0">
+            <a:schemeClr val="accent1"/>
+          </a:effectRef>
+          <a:fontRef idx="minor">
+            <a:schemeClr val="lt1"/>
+          </a:fontRef>
+        </p:style>
+        <p:txBody>
+          <a:bodyPr rtlCol="0" anchor="ctr"/>
+          <a:lstStyle/>
+          <a:p>
+            <a:pPr algn="ctr"/>
+            <a:endParaRPr lang="en-US"/>
+          </a:p>
+        </p:txBody>
+      </p:sp>
+      <p:sp>
+        <p:nvSpPr>
+          <p:cNvPr id="9" name="Right Arrow 8"/>
+          <p:cNvSpPr/>
+          <p:nvPr/>
+        </p:nvSpPr>
+        <p:spPr>
+          <a:xfrm>
+            <a:off x="5562600" y="3225800"/>
+            <a:ext cx="457200" cy="298656"/>
+          </a:xfrm>
+          <a:prstGeom prst="rightArrow">
+            <a:avLst/>
+          </a:prstGeom>
+        </p:spPr>
+        <p:style>
+          <a:lnRef idx="2">
+            <a:schemeClr val="accent1">
+              <a:shade val="50000"/>
+            </a:schemeClr>
+          </a:lnRef>
+          <a:fillRef idx="1">
+            <a:schemeClr val="accent1"/>
+          </a:fillRef>
+          <a:effectRef idx="0">
+            <a:schemeClr val="accent1"/>
+          </a:effectRef>
+          <a:fontRef idx="minor">
+            <a:schemeClr val="lt1"/>
+          </a:fontRef>
+        </p:style>
+        <p:txBody>
+          <a:bodyPr rtlCol="0" anchor="ctr"/>
+          <a:lstStyle/>
+          <a:p>
+            <a:pPr algn="ctr"/>
+            <a:endParaRPr lang="en-US"/>
+          </a:p>
+        </p:txBody>
+      </p:sp>
+    </p:spTree>
+    <p:extLst>
+      <p:ext uri="{BB962C8B-B14F-4D97-AF65-F5344CB8AC3E}">
+        <p14:creationId xmlns:p14="http://schemas.microsoft.com/office/powerpoint/2010/main" xmlns="" val="1021670652"/>
+      </p:ext>
+    </p:extLst>
+  </p:cSld>
+  <p:clrMapOvr>
+    <a:masterClrMapping/>
+  </p:clrMapOvr>
+  <p:timing>
+    <p:tnLst>
+      <p:par>
+        <p:cTn id="1" dur="indefinite" restart="never" nodeType="tmRoot"/>
+      </p:par>
+    </p:tnLst>
+  </p:timing>
+</p:sld>
+</file>
+
+<file path=ppt/slides/slide6.xml><?xml version="1.0" encoding="utf-8"?>
+<p:sld xmlns:a="http://schemas.openxmlformats.org/drawingml/2006/main" xmlns:r="http://schemas.openxmlformats.org/officeDocument/2006/relationships" xmlns:p="http://schemas.openxmlformats.org/presentationml/2006/main">
+  <p:cSld>
+    <p:bg>
+      <p:bgPr>
+        <a:solidFill>
+          <a:schemeClr val="bg1">
+            <a:alpha val="39000"/>
+          </a:schemeClr>
+        </a:solidFill>
+        <a:effectLst/>
+      </p:bgPr>
+    </p:bg>
+    <p:spTree>
+      <p:nvGrpSpPr>
+        <p:cNvPr id="1" name=""/>
+        <p:cNvGrpSpPr/>
+        <p:nvPr/>
+      </p:nvGrpSpPr>
+      <p:grpSpPr>
+        <a:xfrm>
+          <a:off x="0" y="0"/>
+          <a:ext cx="0" cy="0"/>
+          <a:chOff x="0" y="0"/>
+          <a:chExt cx="0" cy="0"/>
+        </a:xfrm>
+      </p:grpSpPr>
+      <p:sp>
+        <p:nvSpPr>
+          <p:cNvPr id="2" name="Rectangle 1"/>
+          <p:cNvSpPr>
+            <a:spLocks noGrp="1"/>
+          </p:cNvSpPr>
+          <p:nvPr>
+            <p:ph type="title"/>
+          </p:nvPr>
+        </p:nvSpPr>
+        <p:spPr>
+          <a:xfrm>
+            <a:off x="0" y="157480"/>
+            <a:ext cx="9144000" cy="1341120"/>
+          </a:xfrm>
+          <a:solidFill>
+            <a:schemeClr val="tx2">
+              <a:lumMod val="60000"/>
+              <a:lumOff val="40000"/>
+              <a:alpha val="79000"/>
+            </a:schemeClr>
+          </a:solidFill>
+        </p:spPr>
+        <p:txBody>
+          <a:bodyPr>
+            <a:normAutofit/>
+          </a:bodyPr>
+          <a:lstStyle>
+            <a:extLst/>
+          </a:lstStyle>
+          <a:p>
+            <a:pPr marL="0" indent="0" algn="ctr"/>
+            <a:r>
+              <a:rPr lang="en-US" sz="4000" dirty="0" smtClean="0">
+                <a:latin typeface="Times New Roman" pitchFamily="18" charset="0"/>
+                <a:cs typeface="Times New Roman" pitchFamily="18" charset="0"/>
+              </a:rPr>
+              <a:t>Viola Jones face detection </a:t>
+            </a:r>
+            <a:r>
+              <a:rPr lang="en-US" sz="4000" dirty="0" smtClean="0">
+                <a:latin typeface="Times New Roman" pitchFamily="18" charset="0"/>
+                <a:cs typeface="Times New Roman" pitchFamily="18" charset="0"/>
+              </a:rPr>
+              <a:t>algorithm</a:t>
+            </a:r>
+            <a:endParaRPr lang="en-US" sz="2800" dirty="0">
+              <a:latin typeface="Times New Roman" pitchFamily="18" charset="0"/>
+              <a:cs typeface="Times New Roman" pitchFamily="18" charset="0"/>
+            </a:endParaRPr>
+          </a:p>
+        </p:txBody>
+      </p:sp>
+      <p:pic>
+        <p:nvPicPr>
+          <p:cNvPr id="2050" name="Picture 2"/>
+          <p:cNvPicPr>
+            <a:picLocks noChangeAspect="1" noChangeArrowheads="1"/>
+          </p:cNvPicPr>
+          <p:nvPr/>
+        </p:nvPicPr>
+        <p:blipFill>
+          <a:blip r:embed="rId3">
+            <a:extLst>
+              <a:ext uri="{28A0092B-C50C-407E-A947-70E740481C1C}">
+                <a14:useLocalDpi xmlns:a14="http://schemas.microsoft.com/office/drawing/2010/main" xmlns="" val="0"/>
+              </a:ext>
+            </a:extLst>
+          </a:blip>
+          <a:srcRect/>
+          <a:stretch>
+            <a:fillRect/>
+          </a:stretch>
+        </p:blipFill>
+        <p:spPr bwMode="auto">
+          <a:xfrm>
+            <a:off x="1571604" y="1928802"/>
+            <a:ext cx="5715040" cy="1727200"/>
+          </a:xfrm>
+          <a:prstGeom prst="rect">
+            <a:avLst/>
+          </a:prstGeom>
+          <a:noFill/>
+          <a:ln>
+            <a:noFill/>
+          </a:ln>
+          <a:effectLst/>
+          <a:extLst>
+            <a:ext uri="{909E8E84-426E-40DD-AFC4-6F175D3DCCD1}">
+              <a14:hiddenFill xmlns:a14="http://schemas.microsoft.com/office/drawing/2010/main" xmlns="">
+                <a:solidFill>
+                  <a:schemeClr val="accent1"/>
+                </a:solidFill>
+              </a14:hiddenFill>
+            </a:ext>
+            <a:ext uri="{91240B29-F687-4F45-9708-019B960494DF}">
+              <a14:hiddenLine xmlns:a14="http://schemas.microsoft.com/office/drawing/2010/main" xmlns="" w="9525">
+                <a:solidFill>
+                  <a:schemeClr val="tx1"/>
+                </a:solidFill>
+                <a:miter lim="800000"/>
+                <a:headEnd/>
+                <a:tailEnd/>
+              </a14:hiddenLine>
+            </a:ext>
+            <a:ext uri="{AF507438-7753-43E0-B8FC-AC1667EBCBE1}">
+              <a14:hiddenEffects xmlns:a14="http://schemas.microsoft.com/office/drawing/2010/main" xmlns="">
+                <a:effectLst>
+                  <a:outerShdw dist="35921" dir="2700000" algn="ctr" rotWithShape="0">
+                    <a:schemeClr val="bg2"/>
+                  </a:outerShdw>
+                </a:effectLst>
+              </a14:hiddenEffects>
+            </a:ext>
+          </a:extLst>
+        </p:spPr>
+      </p:pic>
+      <p:pic>
+        <p:nvPicPr>
+          <p:cNvPr id="2051" name="Picture 3"/>
+          <p:cNvPicPr>
+            <a:picLocks noChangeAspect="1" noChangeArrowheads="1"/>
+          </p:cNvPicPr>
+          <p:nvPr/>
+        </p:nvPicPr>
+        <p:blipFill>
+          <a:blip r:embed="rId4">
+            <a:extLst>
+              <a:ext uri="{28A0092B-C50C-407E-A947-70E740481C1C}">
+                <a14:useLocalDpi xmlns:a14="http://schemas.microsoft.com/office/drawing/2010/main" xmlns="" val="0"/>
+              </a:ext>
+            </a:extLst>
+          </a:blip>
+          <a:srcRect/>
+          <a:stretch>
+            <a:fillRect/>
+          </a:stretch>
+        </p:blipFill>
+        <p:spPr bwMode="auto">
+          <a:xfrm>
+            <a:off x="2428860" y="4143380"/>
+            <a:ext cx="3929090" cy="1885949"/>
+          </a:xfrm>
+          <a:prstGeom prst="rect">
+            <a:avLst/>
+          </a:prstGeom>
+          <a:noFill/>
+          <a:ln>
+            <a:noFill/>
+          </a:ln>
+          <a:effectLst/>
+          <a:extLst>
+            <a:ext uri="{909E8E84-426E-40DD-AFC4-6F175D3DCCD1}">
+              <a14:hiddenFill xmlns:a14="http://schemas.microsoft.com/office/drawing/2010/main" xmlns="">
+                <a:solidFill>
+                  <a:schemeClr val="accent1"/>
+                </a:solidFill>
+              </a14:hiddenFill>
+            </a:ext>
+            <a:ext uri="{91240B29-F687-4F45-9708-019B960494DF}">
+              <a14:hiddenLine xmlns:a14="http://schemas.microsoft.com/office/drawing/2010/main" xmlns="" w="9525">
+                <a:solidFill>
+                  <a:schemeClr val="tx1"/>
+                </a:solidFill>
+                <a:miter lim="800000"/>
+                <a:headEnd/>
+                <a:tailEnd/>
+              </a14:hiddenLine>
+            </a:ext>
+            <a:ext uri="{AF507438-7753-43E0-B8FC-AC1667EBCBE1}">
+              <a14:hiddenEffects xmlns:a14="http://schemas.microsoft.com/office/drawing/2010/main" xmlns="">
+                <a:effectLst>
+                  <a:outerShdw dist="35921" dir="2700000" algn="ctr" rotWithShape="0">
+                    <a:schemeClr val="bg2"/>
+                  </a:outerShdw>
+                </a:effectLst>
+              </a14:hiddenEffects>
+            </a:ext>
+          </a:extLst>
+        </p:spPr>
+      </p:pic>
+    </p:spTree>
+    <p:extLst>
+      <p:ext uri="{BB962C8B-B14F-4D97-AF65-F5344CB8AC3E}">
+        <p14:creationId xmlns:p14="http://schemas.microsoft.com/office/powerpoint/2010/main" xmlns="" val="925372738"/>
+      </p:ext>
+    </p:extLst>
+  </p:cSld>
+  <p:clrMapOvr>
+    <a:masterClrMapping/>
+  </p:clrMapOvr>
+  <p:timing>
+    <p:tnLst>
+      <p:par>
+        <p:cTn id="1" dur="indefinite" restart="never" nodeType="tmRoot"/>
+      </p:par>
+    </p:tnLst>
+  </p:timing>
+</p:sld>
+</file>
+
+<file path=ppt/slides/slide7.xml><?xml version="1.0" encoding="utf-8"?>
+<p:sld xmlns:a="http://schemas.openxmlformats.org/drawingml/2006/main" xmlns:r="http://schemas.openxmlformats.org/officeDocument/2006/relationships" xmlns:p="http://schemas.openxmlformats.org/presentationml/2006/main">
+  <p:cSld>
+    <p:bg>
+      <p:bgPr>
         <a:solidFill>
           <a:schemeClr val="bg1"/>
         </a:solidFill>
@@ -3767,15 +6109,7 @@
                   <a:schemeClr val="tx2"/>
                 </a:solidFill>
               </a:rPr>
-              <a:t>Последовательность  решаемых </a:t>
-            </a:r>
-            <a:r>
-              <a:rPr lang="ru-RU" b="1" dirty="0" smtClean="0">
-                <a:solidFill>
-                  <a:schemeClr val="tx2"/>
-                </a:solidFill>
-              </a:rPr>
-              <a:t>задач</a:t>
+              <a:t>Последовательность  решаемых задач</a:t>
             </a:r>
             <a:endParaRPr lang="ru-RU" b="1" dirty="0">
               <a:solidFill>
@@ -3869,10 +6203,17 @@
   <p:clrMapOvr>
     <a:masterClrMapping/>
   </p:clrMapOvr>
+  <p:timing>
+    <p:tnLst>
+      <p:par>
+        <p:cTn id="1" dur="indefinite" restart="never" nodeType="tmRoot"/>
+      </p:par>
+    </p:tnLst>
+  </p:timing>
 </p:sld>
 </file>
 
-<file path=ppt/slides/slide5.xml><?xml version="1.0" encoding="utf-8"?>
+<file path=ppt/slides/slide8.xml><?xml version="1.0" encoding="utf-8"?>
 <p:sld xmlns:a="http://schemas.openxmlformats.org/drawingml/2006/main" xmlns:r="http://schemas.openxmlformats.org/officeDocument/2006/relationships" xmlns:p="http://schemas.openxmlformats.org/presentationml/2006/main">
   <p:cSld>
     <p:spTree>
@@ -4022,15 +6363,7 @@
                   <a:schemeClr val="tx2"/>
                 </a:solidFill>
               </a:rPr>
-              <a:t>Последовательность  решаемых </a:t>
-            </a:r>
-            <a:r>
-              <a:rPr lang="ru-RU" b="1" dirty="0" smtClean="0">
-                <a:solidFill>
-                  <a:schemeClr val="tx2"/>
-                </a:solidFill>
-              </a:rPr>
-              <a:t>задач</a:t>
+              <a:t>Последовательность  решаемых задач</a:t>
             </a:r>
             <a:endParaRPr lang="ru-RU" b="1" dirty="0">
               <a:solidFill>
@@ -4045,10 +6378,17 @@
   <p:clrMapOvr>
     <a:masterClrMapping/>
   </p:clrMapOvr>
+  <p:timing>
+    <p:tnLst>
+      <p:par>
+        <p:cTn id="1" dur="indefinite" restart="never" nodeType="tmRoot"/>
+      </p:par>
+    </p:tnLst>
+  </p:timing>
 </p:sld>
 </file>
 
-<file path=ppt/slides/slide6.xml><?xml version="1.0" encoding="utf-8"?>
+<file path=ppt/slides/slide9.xml><?xml version="1.0" encoding="utf-8"?>
 <p:sld xmlns:a="http://schemas.openxmlformats.org/drawingml/2006/main" xmlns:r="http://schemas.openxmlformats.org/officeDocument/2006/relationships" xmlns:p="http://schemas.openxmlformats.org/presentationml/2006/main">
   <p:cSld>
     <p:spTree>
@@ -4244,11 +6584,7 @@
           <a:p>
             <a:r>
               <a:rPr lang="ru-RU" dirty="0" smtClean="0"/>
-              <a:t>Последовательность  решаемых </a:t>
-            </a:r>
-            <a:r>
-              <a:rPr lang="ru-RU" dirty="0" smtClean="0"/>
-              <a:t>задач</a:t>
+              <a:t>Последовательность  решаемых задач</a:t>
             </a:r>
             <a:endParaRPr lang="ru-RU" dirty="0"/>
           </a:p>
@@ -4259,498 +6595,13 @@
   <p:clrMapOvr>
     <a:masterClrMapping/>
   </p:clrMapOvr>
-</p:sld>
-</file>
-
-<file path=ppt/slides/slide7.xml><?xml version="1.0" encoding="utf-8"?>
-<p:sld xmlns:a="http://schemas.openxmlformats.org/drawingml/2006/main" xmlns:r="http://schemas.openxmlformats.org/officeDocument/2006/relationships" xmlns:p="http://schemas.openxmlformats.org/presentationml/2006/main">
-  <p:cSld>
-    <p:spTree>
-      <p:nvGrpSpPr>
-        <p:cNvPr id="1" name=""/>
-        <p:cNvGrpSpPr/>
-        <p:nvPr/>
-      </p:nvGrpSpPr>
-      <p:grpSpPr>
-        <a:xfrm>
-          <a:off x="0" y="0"/>
-          <a:ext cx="0" cy="0"/>
-          <a:chOff x="0" y="0"/>
-          <a:chExt cx="0" cy="0"/>
-        </a:xfrm>
-      </p:grpSpPr>
-      <p:sp>
-        <p:nvSpPr>
-          <p:cNvPr id="6" name="TextBox 5"/>
-          <p:cNvSpPr txBox="1"/>
-          <p:nvPr/>
-        </p:nvSpPr>
-        <p:spPr>
-          <a:xfrm>
-            <a:off x="500034" y="1643050"/>
-            <a:ext cx="8215370" cy="523220"/>
-          </a:xfrm>
-          <a:prstGeom prst="rect">
-            <a:avLst/>
-          </a:prstGeom>
-          <a:noFill/>
-        </p:spPr>
-        <p:txBody>
-          <a:bodyPr wrap="square" rtlCol="0">
-            <a:spAutoFit/>
-          </a:bodyPr>
-          <a:lstStyle/>
-          <a:p>
-            <a:r>
-              <a:rPr lang="en-US" sz="2800" dirty="0" smtClean="0">
-                <a:solidFill>
-                  <a:schemeClr val="tx2"/>
-                </a:solidFill>
-              </a:rPr>
-              <a:t>III. </a:t>
-            </a:r>
-            <a:r>
-              <a:rPr lang="ru-RU" sz="2800" dirty="0" smtClean="0">
-                <a:solidFill>
-                  <a:schemeClr val="tx2"/>
-                </a:solidFill>
-              </a:rPr>
-              <a:t>Определение лица</a:t>
-            </a:r>
-            <a:endParaRPr lang="ru-RU" sz="2800" dirty="0">
-              <a:solidFill>
-                <a:schemeClr val="tx2"/>
-              </a:solidFill>
-            </a:endParaRPr>
-          </a:p>
-        </p:txBody>
-      </p:sp>
-      <p:pic>
-        <p:nvPicPr>
-          <p:cNvPr id="3074" name="Picture 2" descr="C:\Users\agish_000\Documents\Учебная\Защита иформации\Проект\conf_photos\conf_photos\test1.png"/>
-          <p:cNvPicPr>
-            <a:picLocks noChangeAspect="1" noChangeArrowheads="1"/>
-          </p:cNvPicPr>
-          <p:nvPr/>
-        </p:nvPicPr>
-        <p:blipFill>
-          <a:blip r:embed="rId2"/>
-          <a:srcRect/>
-          <a:stretch>
-            <a:fillRect/>
-          </a:stretch>
-        </p:blipFill>
-        <p:spPr bwMode="auto">
-          <a:xfrm>
-            <a:off x="714348" y="2500306"/>
-            <a:ext cx="3831719" cy="2928958"/>
-          </a:xfrm>
-          <a:prstGeom prst="rect">
-            <a:avLst/>
-          </a:prstGeom>
-          <a:noFill/>
-        </p:spPr>
-      </p:pic>
-      <p:pic>
-        <p:nvPicPr>
-          <p:cNvPr id="3075" name="Picture 3" descr="C:\Users\agish_000\Documents\Учебная\Защита иформации\Проект\conf_photos\conf_photos\test2.png"/>
-          <p:cNvPicPr>
-            <a:picLocks noChangeAspect="1" noChangeArrowheads="1"/>
-          </p:cNvPicPr>
-          <p:nvPr/>
-        </p:nvPicPr>
-        <p:blipFill>
-          <a:blip r:embed="rId3"/>
-          <a:srcRect/>
-          <a:stretch>
-            <a:fillRect/>
-          </a:stretch>
-        </p:blipFill>
-        <p:spPr bwMode="auto">
-          <a:xfrm>
-            <a:off x="4931240" y="2571744"/>
-            <a:ext cx="3877270" cy="2928958"/>
-          </a:xfrm>
-          <a:prstGeom prst="rect">
-            <a:avLst/>
-          </a:prstGeom>
-          <a:noFill/>
-        </p:spPr>
-      </p:pic>
-      <p:sp>
-        <p:nvSpPr>
-          <p:cNvPr id="11" name="Заголовок 1"/>
-          <p:cNvSpPr>
-            <a:spLocks noGrp="1"/>
-          </p:cNvSpPr>
-          <p:nvPr>
-            <p:ph type="title"/>
-          </p:nvPr>
-        </p:nvSpPr>
-        <p:spPr>
-          <a:xfrm>
-            <a:off x="0" y="285728"/>
-            <a:ext cx="9144000" cy="1368412"/>
-          </a:xfrm>
-        </p:spPr>
-        <p:txBody>
-          <a:bodyPr>
-            <a:normAutofit fontScale="90000"/>
-          </a:bodyPr>
-          <a:lstStyle/>
-          <a:p>
-            <a:r>
-              <a:rPr lang="ru-RU" b="1" dirty="0" smtClean="0">
-                <a:solidFill>
-                  <a:schemeClr val="tx2"/>
-                </a:solidFill>
-              </a:rPr>
-              <a:t>Последовательность  решаемых </a:t>
-            </a:r>
-            <a:r>
-              <a:rPr lang="ru-RU" b="1" dirty="0" smtClean="0">
-                <a:solidFill>
-                  <a:schemeClr val="tx2"/>
-                </a:solidFill>
-              </a:rPr>
-              <a:t>задач</a:t>
-            </a:r>
-            <a:endParaRPr lang="ru-RU" b="1" dirty="0">
-              <a:solidFill>
-                <a:schemeClr val="tx2"/>
-              </a:solidFill>
-            </a:endParaRPr>
-          </a:p>
-        </p:txBody>
-      </p:sp>
-    </p:spTree>
-  </p:cSld>
-  <p:clrMapOvr>
-    <a:masterClrMapping/>
-  </p:clrMapOvr>
-</p:sld>
-</file>
-
-<file path=ppt/slides/slide8.xml><?xml version="1.0" encoding="utf-8"?>
-<p:sld xmlns:a="http://schemas.openxmlformats.org/drawingml/2006/main" xmlns:r="http://schemas.openxmlformats.org/officeDocument/2006/relationships" xmlns:p="http://schemas.openxmlformats.org/presentationml/2006/main">
-  <p:cSld>
-    <p:spTree>
-      <p:nvGrpSpPr>
-        <p:cNvPr id="1" name=""/>
-        <p:cNvGrpSpPr/>
-        <p:nvPr/>
-      </p:nvGrpSpPr>
-      <p:grpSpPr>
-        <a:xfrm>
-          <a:off x="0" y="0"/>
-          <a:ext cx="0" cy="0"/>
-          <a:chOff x="0" y="0"/>
-          <a:chExt cx="0" cy="0"/>
-        </a:xfrm>
-      </p:grpSpPr>
-      <p:sp>
-        <p:nvSpPr>
-          <p:cNvPr id="6" name="TextBox 5"/>
-          <p:cNvSpPr txBox="1"/>
-          <p:nvPr/>
-        </p:nvSpPr>
-        <p:spPr>
-          <a:xfrm>
-            <a:off x="500034" y="1643050"/>
-            <a:ext cx="8215370" cy="523220"/>
-          </a:xfrm>
-          <a:prstGeom prst="rect">
-            <a:avLst/>
-          </a:prstGeom>
-          <a:noFill/>
-        </p:spPr>
-        <p:txBody>
-          <a:bodyPr wrap="square" rtlCol="0">
-            <a:spAutoFit/>
-          </a:bodyPr>
-          <a:lstStyle/>
-          <a:p>
-            <a:r>
-              <a:rPr lang="en-US" sz="2800" dirty="0" smtClean="0">
-                <a:solidFill>
-                  <a:schemeClr val="tx2"/>
-                </a:solidFill>
-              </a:rPr>
-              <a:t>III. </a:t>
-            </a:r>
-            <a:r>
-              <a:rPr lang="ru-RU" sz="2800" dirty="0" smtClean="0">
-                <a:solidFill>
-                  <a:schemeClr val="tx2"/>
-                </a:solidFill>
-              </a:rPr>
-              <a:t>Определение лица</a:t>
-            </a:r>
-            <a:endParaRPr lang="ru-RU" sz="2800" dirty="0">
-              <a:solidFill>
-                <a:schemeClr val="tx2"/>
-              </a:solidFill>
-            </a:endParaRPr>
-          </a:p>
-        </p:txBody>
-      </p:sp>
-      <p:pic>
-        <p:nvPicPr>
-          <p:cNvPr id="4098" name="Picture 2" descr="C:\Users\agish_000\Documents\Учебная\Защита иформации\Проект\fig8.jpg"/>
-          <p:cNvPicPr>
-            <a:picLocks noChangeAspect="1" noChangeArrowheads="1"/>
-          </p:cNvPicPr>
-          <p:nvPr/>
-        </p:nvPicPr>
-        <p:blipFill>
-          <a:blip r:embed="rId2"/>
-          <a:srcRect l="18092" t="21635" r="16118"/>
-          <a:stretch>
-            <a:fillRect/>
-          </a:stretch>
-        </p:blipFill>
-        <p:spPr bwMode="auto">
-          <a:xfrm>
-            <a:off x="1000100" y="2500306"/>
-            <a:ext cx="2714644" cy="2458239"/>
-          </a:xfrm>
-          <a:prstGeom prst="rect">
-            <a:avLst/>
-          </a:prstGeom>
-          <a:noFill/>
-        </p:spPr>
-      </p:pic>
-      <p:pic>
-        <p:nvPicPr>
-          <p:cNvPr id="4099" name="Picture 3" descr="C:\Users\agish_000\Documents\Учебная\Защита иформации\Проект\fig9.jpg"/>
-          <p:cNvPicPr>
-            <a:picLocks noChangeAspect="1" noChangeArrowheads="1"/>
-          </p:cNvPicPr>
-          <p:nvPr/>
-        </p:nvPicPr>
-        <p:blipFill>
-          <a:blip r:embed="rId3"/>
-          <a:srcRect l="25862" t="25472" r="15948" b="4480"/>
-          <a:stretch>
-            <a:fillRect/>
-          </a:stretch>
-        </p:blipFill>
-        <p:spPr bwMode="auto">
-          <a:xfrm>
-            <a:off x="5500694" y="2500306"/>
-            <a:ext cx="2571768" cy="2357454"/>
-          </a:xfrm>
-          <a:prstGeom prst="rect">
-            <a:avLst/>
-          </a:prstGeom>
-          <a:noFill/>
-        </p:spPr>
-      </p:pic>
-      <p:sp>
-        <p:nvSpPr>
-          <p:cNvPr id="8" name="TextBox 7"/>
-          <p:cNvSpPr txBox="1"/>
-          <p:nvPr/>
-        </p:nvSpPr>
-        <p:spPr>
-          <a:xfrm>
-            <a:off x="3214678" y="5072074"/>
-            <a:ext cx="3241593" cy="461665"/>
-          </a:xfrm>
-          <a:prstGeom prst="rect">
-            <a:avLst/>
-          </a:prstGeom>
-          <a:noFill/>
-        </p:spPr>
-        <p:txBody>
-          <a:bodyPr wrap="none" rtlCol="0">
-            <a:spAutoFit/>
-          </a:bodyPr>
-          <a:lstStyle/>
-          <a:p>
-            <a:r>
-              <a:rPr lang="ru-RU" sz="2400" dirty="0" smtClean="0">
-                <a:solidFill>
-                  <a:schemeClr val="tx2"/>
-                </a:solidFill>
-              </a:rPr>
-              <a:t>Распознавание эмоций</a:t>
-            </a:r>
-            <a:endParaRPr lang="ru-RU" sz="2400" dirty="0">
-              <a:solidFill>
-                <a:schemeClr val="tx2"/>
-              </a:solidFill>
-            </a:endParaRPr>
-          </a:p>
-        </p:txBody>
-      </p:sp>
-      <p:sp>
-        <p:nvSpPr>
-          <p:cNvPr id="10" name="Заголовок 1"/>
-          <p:cNvSpPr>
-            <a:spLocks noGrp="1"/>
-          </p:cNvSpPr>
-          <p:nvPr>
-            <p:ph type="title"/>
-          </p:nvPr>
-        </p:nvSpPr>
-        <p:spPr>
-          <a:xfrm>
-            <a:off x="0" y="285728"/>
-            <a:ext cx="9144000" cy="1368412"/>
-          </a:xfrm>
-        </p:spPr>
-        <p:txBody>
-          <a:bodyPr>
-            <a:normAutofit fontScale="90000"/>
-          </a:bodyPr>
-          <a:lstStyle/>
-          <a:p>
-            <a:r>
-              <a:rPr lang="ru-RU" b="1" dirty="0" smtClean="0">
-                <a:solidFill>
-                  <a:schemeClr val="tx2"/>
-                </a:solidFill>
-              </a:rPr>
-              <a:t>Последовательность  решаемых </a:t>
-            </a:r>
-            <a:r>
-              <a:rPr lang="ru-RU" b="1" dirty="0" smtClean="0">
-                <a:solidFill>
-                  <a:schemeClr val="tx2"/>
-                </a:solidFill>
-              </a:rPr>
-              <a:t>задач</a:t>
-            </a:r>
-            <a:endParaRPr lang="ru-RU" b="1" dirty="0">
-              <a:solidFill>
-                <a:schemeClr val="tx2"/>
-              </a:solidFill>
-            </a:endParaRPr>
-          </a:p>
-        </p:txBody>
-      </p:sp>
-    </p:spTree>
-  </p:cSld>
-  <p:clrMapOvr>
-    <a:masterClrMapping/>
-  </p:clrMapOvr>
-</p:sld>
-</file>
-
-<file path=ppt/slides/slide9.xml><?xml version="1.0" encoding="utf-8"?>
-<p:sld xmlns:a="http://schemas.openxmlformats.org/drawingml/2006/main" xmlns:r="http://schemas.openxmlformats.org/officeDocument/2006/relationships" xmlns:p="http://schemas.openxmlformats.org/presentationml/2006/main">
-  <p:cSld>
-    <p:spTree>
-      <p:nvGrpSpPr>
-        <p:cNvPr id="1" name=""/>
-        <p:cNvGrpSpPr/>
-        <p:nvPr/>
-      </p:nvGrpSpPr>
-      <p:grpSpPr>
-        <a:xfrm>
-          <a:off x="0" y="0"/>
-          <a:ext cx="0" cy="0"/>
-          <a:chOff x="0" y="0"/>
-          <a:chExt cx="0" cy="0"/>
-        </a:xfrm>
-      </p:grpSpPr>
-      <p:sp>
-        <p:nvSpPr>
-          <p:cNvPr id="2" name="Заголовок 1"/>
-          <p:cNvSpPr>
-            <a:spLocks noGrp="1"/>
-          </p:cNvSpPr>
-          <p:nvPr>
-            <p:ph type="title"/>
-          </p:nvPr>
-        </p:nvSpPr>
-        <p:spPr/>
-        <p:txBody>
-          <a:bodyPr/>
-          <a:lstStyle/>
-          <a:p>
-            <a:r>
-              <a:rPr lang="ru-RU" b="1" dirty="0" smtClean="0">
-                <a:solidFill>
-                  <a:schemeClr val="tx2"/>
-                </a:solidFill>
-              </a:rPr>
-              <a:t>Результаты и выводы</a:t>
-            </a:r>
-            <a:endParaRPr lang="ru-RU" b="1" dirty="0">
-              <a:solidFill>
-                <a:schemeClr val="tx2"/>
-              </a:solidFill>
-            </a:endParaRPr>
-          </a:p>
-        </p:txBody>
-      </p:sp>
-      <p:pic>
-        <p:nvPicPr>
-          <p:cNvPr id="5122" name="Picture 2" descr="C:\Users\agish_000\Documents\Учебная\Защита иформации\Проект\fig10.jpg"/>
-          <p:cNvPicPr>
-            <a:picLocks noChangeAspect="1" noChangeArrowheads="1"/>
-          </p:cNvPicPr>
-          <p:nvPr/>
-        </p:nvPicPr>
-        <p:blipFill>
-          <a:blip r:embed="rId2"/>
-          <a:srcRect/>
-          <a:stretch>
-            <a:fillRect/>
-          </a:stretch>
-        </p:blipFill>
-        <p:spPr bwMode="auto">
-          <a:xfrm>
-            <a:off x="1357290" y="1142984"/>
-            <a:ext cx="6489700" cy="5067300"/>
-          </a:xfrm>
-          <a:prstGeom prst="rect">
-            <a:avLst/>
-          </a:prstGeom>
-          <a:noFill/>
-        </p:spPr>
-      </p:pic>
-      <p:sp>
-        <p:nvSpPr>
-          <p:cNvPr id="5" name="TextBox 4"/>
-          <p:cNvSpPr txBox="1"/>
-          <p:nvPr/>
-        </p:nvSpPr>
-        <p:spPr>
-          <a:xfrm>
-            <a:off x="714348" y="6143644"/>
-            <a:ext cx="7904408" cy="400110"/>
-          </a:xfrm>
-          <a:prstGeom prst="rect">
-            <a:avLst/>
-          </a:prstGeom>
-          <a:noFill/>
-        </p:spPr>
-        <p:txBody>
-          <a:bodyPr wrap="none" rtlCol="0">
-            <a:spAutoFit/>
-          </a:bodyPr>
-          <a:lstStyle/>
-          <a:p>
-            <a:r>
-              <a:rPr lang="ru-RU" sz="2000" dirty="0" smtClean="0"/>
-              <a:t>Распределение </a:t>
-            </a:r>
-            <a:r>
-              <a:rPr lang="ru-RU" sz="2000" dirty="0" smtClean="0"/>
-              <a:t>эмоциональных фотографий на плоскости параметров</a:t>
-            </a:r>
-            <a:endParaRPr lang="ru-RU" sz="2000" dirty="0"/>
-          </a:p>
-        </p:txBody>
-      </p:sp>
-    </p:spTree>
-  </p:cSld>
-  <p:clrMapOvr>
-    <a:masterClrMapping/>
-  </p:clrMapOvr>
+  <p:timing>
+    <p:tnLst>
+      <p:par>
+        <p:cTn id="1" dur="indefinite" restart="never" nodeType="tmRoot"/>
+      </p:par>
+    </p:tnLst>
+  </p:timing>
 </p:sld>
 </file>
 
@@ -5035,4 +6886,287 @@
   <a:objectDefaults/>
   <a:extraClrSchemeLst/>
 </a:theme>
+</file>
+
+<file path=ppt/theme/theme2.xml><?xml version="1.0" encoding="utf-8"?>
+<a:theme xmlns:a="http://schemas.openxmlformats.org/drawingml/2006/main" name="Тема Office">
+  <a:themeElements>
+    <a:clrScheme name="Стандартная">
+      <a:dk1>
+        <a:sysClr val="windowText" lastClr="000000"/>
+      </a:dk1>
+      <a:lt1>
+        <a:sysClr val="window" lastClr="FFFFFF"/>
+      </a:lt1>
+      <a:dk2>
+        <a:srgbClr val="1F497D"/>
+      </a:dk2>
+      <a:lt2>
+        <a:srgbClr val="EEECE1"/>
+      </a:lt2>
+      <a:accent1>
+        <a:srgbClr val="4F81BD"/>
+      </a:accent1>
+      <a:accent2>
+        <a:srgbClr val="C0504D"/>
+      </a:accent2>
+      <a:accent3>
+        <a:srgbClr val="9BBB59"/>
+      </a:accent3>
+      <a:accent4>
+        <a:srgbClr val="8064A2"/>
+      </a:accent4>
+      <a:accent5>
+        <a:srgbClr val="4BACC6"/>
+      </a:accent5>
+      <a:accent6>
+        <a:srgbClr val="F79646"/>
+      </a:accent6>
+      <a:hlink>
+        <a:srgbClr val="0000FF"/>
+      </a:hlink>
+      <a:folHlink>
+        <a:srgbClr val="800080"/>
+      </a:folHlink>
+    </a:clrScheme>
+    <a:fontScheme name="Стандартная">
+      <a:majorFont>
+        <a:latin typeface="Calibri"/>
+        <a:ea typeface=""/>
+        <a:cs typeface=""/>
+        <a:font script="Jpan" typeface="ＭＳ Ｐゴシック"/>
+        <a:font script="Hang" typeface="맑은 고딕"/>
+        <a:font script="Hans" typeface="宋体"/>
+        <a:font script="Hant" typeface="新細明體"/>
+        <a:font script="Arab" typeface="Times New Roman"/>
+        <a:font script="Hebr" typeface="Times New Roman"/>
+        <a:font script="Thai" typeface="Angsana New"/>
+        <a:font script="Ethi" typeface="Nyala"/>
+        <a:font script="Beng" typeface="Vrinda"/>
+        <a:font script="Gujr" typeface="Shruti"/>
+        <a:font script="Khmr" typeface="MoolBoran"/>
+        <a:font script="Knda" typeface="Tunga"/>
+        <a:font script="Guru" typeface="Raavi"/>
+        <a:font script="Cans" typeface="Euphemia"/>
+        <a:font script="Cher" typeface="Plantagenet Cherokee"/>
+        <a:font script="Yiii" typeface="Microsoft Yi Baiti"/>
+        <a:font script="Tibt" typeface="Microsoft Himalaya"/>
+        <a:font script="Thaa" typeface="MV Boli"/>
+        <a:font script="Deva" typeface="Mangal"/>
+        <a:font script="Telu" typeface="Gautami"/>
+        <a:font script="Taml" typeface="Latha"/>
+        <a:font script="Syrc" typeface="Estrangelo Edessa"/>
+        <a:font script="Orya" typeface="Kalinga"/>
+        <a:font script="Mlym" typeface="Kartika"/>
+        <a:font script="Laoo" typeface="DokChampa"/>
+        <a:font script="Sinh" typeface="Iskoola Pota"/>
+        <a:font script="Mong" typeface="Mongolian Baiti"/>
+        <a:font script="Viet" typeface="Times New Roman"/>
+        <a:font script="Uigh" typeface="Microsoft Uighur"/>
+      </a:majorFont>
+      <a:minorFont>
+        <a:latin typeface="Calibri"/>
+        <a:ea typeface=""/>
+        <a:cs typeface=""/>
+        <a:font script="Jpan" typeface="ＭＳ Ｐゴシック"/>
+        <a:font script="Hang" typeface="맑은 고딕"/>
+        <a:font script="Hans" typeface="宋体"/>
+        <a:font script="Hant" typeface="新細明體"/>
+        <a:font script="Arab" typeface="Arial"/>
+        <a:font script="Hebr" typeface="Arial"/>
+        <a:font script="Thai" typeface="Cordia New"/>
+        <a:font script="Ethi" typeface="Nyala"/>
+        <a:font script="Beng" typeface="Vrinda"/>
+        <a:font script="Gujr" typeface="Shruti"/>
+        <a:font script="Khmr" typeface="DaunPenh"/>
+        <a:font script="Knda" typeface="Tunga"/>
+        <a:font script="Guru" typeface="Raavi"/>
+        <a:font script="Cans" typeface="Euphemia"/>
+        <a:font script="Cher" typeface="Plantagenet Cherokee"/>
+        <a:font script="Yiii" typeface="Microsoft Yi Baiti"/>
+        <a:font script="Tibt" typeface="Microsoft Himalaya"/>
+        <a:font script="Thaa" typeface="MV Boli"/>
+        <a:font script="Deva" typeface="Mangal"/>
+        <a:font script="Telu" typeface="Gautami"/>
+        <a:font script="Taml" typeface="Latha"/>
+        <a:font script="Syrc" typeface="Estrangelo Edessa"/>
+        <a:font script="Orya" typeface="Kalinga"/>
+        <a:font script="Mlym" typeface="Kartika"/>
+        <a:font script="Laoo" typeface="DokChampa"/>
+        <a:font script="Sinh" typeface="Iskoola Pota"/>
+        <a:font script="Mong" typeface="Mongolian Baiti"/>
+        <a:font script="Viet" typeface="Arial"/>
+        <a:font script="Uigh" typeface="Microsoft Uighur"/>
+      </a:minorFont>
+    </a:fontScheme>
+    <a:fmtScheme name="Стандартная">
+      <a:fillStyleLst>
+        <a:solidFill>
+          <a:schemeClr val="phClr"/>
+        </a:solidFill>
+        <a:gradFill rotWithShape="1">
+          <a:gsLst>
+            <a:gs pos="0">
+              <a:schemeClr val="phClr">
+                <a:tint val="50000"/>
+                <a:satMod val="300000"/>
+              </a:schemeClr>
+            </a:gs>
+            <a:gs pos="35000">
+              <a:schemeClr val="phClr">
+                <a:tint val="37000"/>
+                <a:satMod val="300000"/>
+              </a:schemeClr>
+            </a:gs>
+            <a:gs pos="100000">
+              <a:schemeClr val="phClr">
+                <a:tint val="15000"/>
+                <a:satMod val="350000"/>
+              </a:schemeClr>
+            </a:gs>
+          </a:gsLst>
+          <a:lin ang="16200000" scaled="1"/>
+        </a:gradFill>
+        <a:gradFill rotWithShape="1">
+          <a:gsLst>
+            <a:gs pos="0">
+              <a:schemeClr val="phClr">
+                <a:shade val="51000"/>
+                <a:satMod val="130000"/>
+              </a:schemeClr>
+            </a:gs>
+            <a:gs pos="80000">
+              <a:schemeClr val="phClr">
+                <a:shade val="93000"/>
+                <a:satMod val="130000"/>
+              </a:schemeClr>
+            </a:gs>
+            <a:gs pos="100000">
+              <a:schemeClr val="phClr">
+                <a:shade val="94000"/>
+                <a:satMod val="135000"/>
+              </a:schemeClr>
+            </a:gs>
+          </a:gsLst>
+          <a:lin ang="16200000" scaled="0"/>
+        </a:gradFill>
+      </a:fillStyleLst>
+      <a:lnStyleLst>
+        <a:ln w="9525" cap="flat" cmpd="sng" algn="ctr">
+          <a:solidFill>
+            <a:schemeClr val="phClr">
+              <a:shade val="95000"/>
+              <a:satMod val="105000"/>
+            </a:schemeClr>
+          </a:solidFill>
+          <a:prstDash val="solid"/>
+        </a:ln>
+        <a:ln w="25400" cap="flat" cmpd="sng" algn="ctr">
+          <a:solidFill>
+            <a:schemeClr val="phClr"/>
+          </a:solidFill>
+          <a:prstDash val="solid"/>
+        </a:ln>
+        <a:ln w="38100" cap="flat" cmpd="sng" algn="ctr">
+          <a:solidFill>
+            <a:schemeClr val="phClr"/>
+          </a:solidFill>
+          <a:prstDash val="solid"/>
+        </a:ln>
+      </a:lnStyleLst>
+      <a:effectStyleLst>
+        <a:effectStyle>
+          <a:effectLst>
+            <a:outerShdw blurRad="40000" dist="20000" dir="5400000" rotWithShape="0">
+              <a:srgbClr val="000000">
+                <a:alpha val="38000"/>
+              </a:srgbClr>
+            </a:outerShdw>
+          </a:effectLst>
+        </a:effectStyle>
+        <a:effectStyle>
+          <a:effectLst>
+            <a:outerShdw blurRad="40000" dist="23000" dir="5400000" rotWithShape="0">
+              <a:srgbClr val="000000">
+                <a:alpha val="35000"/>
+              </a:srgbClr>
+            </a:outerShdw>
+          </a:effectLst>
+        </a:effectStyle>
+        <a:effectStyle>
+          <a:effectLst>
+            <a:outerShdw blurRad="40000" dist="23000" dir="5400000" rotWithShape="0">
+              <a:srgbClr val="000000">
+                <a:alpha val="35000"/>
+              </a:srgbClr>
+            </a:outerShdw>
+          </a:effectLst>
+          <a:scene3d>
+            <a:camera prst="orthographicFront">
+              <a:rot lat="0" lon="0" rev="0"/>
+            </a:camera>
+            <a:lightRig rig="threePt" dir="t">
+              <a:rot lat="0" lon="0" rev="1200000"/>
+            </a:lightRig>
+          </a:scene3d>
+          <a:sp3d>
+            <a:bevelT w="63500" h="25400"/>
+          </a:sp3d>
+        </a:effectStyle>
+      </a:effectStyleLst>
+      <a:bgFillStyleLst>
+        <a:solidFill>
+          <a:schemeClr val="phClr"/>
+        </a:solidFill>
+        <a:gradFill rotWithShape="1">
+          <a:gsLst>
+            <a:gs pos="0">
+              <a:schemeClr val="phClr">
+                <a:tint val="40000"/>
+                <a:satMod val="350000"/>
+              </a:schemeClr>
+            </a:gs>
+            <a:gs pos="40000">
+              <a:schemeClr val="phClr">
+                <a:tint val="45000"/>
+                <a:shade val="99000"/>
+                <a:satMod val="350000"/>
+              </a:schemeClr>
+            </a:gs>
+            <a:gs pos="100000">
+              <a:schemeClr val="phClr">
+                <a:shade val="20000"/>
+                <a:satMod val="255000"/>
+              </a:schemeClr>
+            </a:gs>
+          </a:gsLst>
+          <a:path path="circle">
+            <a:fillToRect l="50000" t="-80000" r="50000" b="180000"/>
+          </a:path>
+        </a:gradFill>
+        <a:gradFill rotWithShape="1">
+          <a:gsLst>
+            <a:gs pos="0">
+              <a:schemeClr val="phClr">
+                <a:tint val="80000"/>
+                <a:satMod val="300000"/>
+              </a:schemeClr>
+            </a:gs>
+            <a:gs pos="100000">
+              <a:schemeClr val="phClr">
+                <a:shade val="30000"/>
+                <a:satMod val="200000"/>
+              </a:schemeClr>
+            </a:gs>
+          </a:gsLst>
+          <a:path path="circle">
+            <a:fillToRect l="50000" t="50000" r="50000" b="50000"/>
+          </a:path>
+        </a:gradFill>
+      </a:bgFillStyleLst>
+    </a:fmtScheme>
+  </a:themeElements>
+  <a:objectDefaults/>
+  <a:extraClrSchemeLst/>
+</a:theme>
 </file>